--- a/Slides_and_notes/Abstraction_encapsulation.pptx
+++ b/Slides_and_notes/Abstraction_encapsulation.pptx
@@ -4,15 +4,14 @@
   <p:sldMasterIdLst>
     <p:sldMasterId id="2147483648" r:id="rId2"/>
     <p:sldMasterId id="2147483661" r:id="rId3"/>
-    <p:sldMasterId id="2147483674" r:id="rId4"/>
   </p:sldMasterIdLst>
   <p:sldIdLst>
-    <p:sldId id="256" r:id="rId5"/>
-    <p:sldId id="257" r:id="rId6"/>
-    <p:sldId id="258" r:id="rId7"/>
-    <p:sldId id="259" r:id="rId8"/>
-    <p:sldId id="260" r:id="rId9"/>
-    <p:sldId id="261" r:id="rId10"/>
+    <p:sldId id="256" r:id="rId4"/>
+    <p:sldId id="257" r:id="rId5"/>
+    <p:sldId id="258" r:id="rId6"/>
+    <p:sldId id="259" r:id="rId7"/>
+    <p:sldId id="260" r:id="rId8"/>
+    <p:sldId id="261" r:id="rId9"/>
   </p:sldIdLst>
   <p:sldSz cx="10080625" cy="5670550"/>
   <p:notesSz cx="7559675" cy="10691813"/>
@@ -71,7 +70,7 @@
         <p:spPr>
           <a:xfrm>
             <a:off x="504000" y="226080"/>
-            <a:ext cx="9071640" cy="946440"/>
+            <a:ext cx="9072000" cy="946440"/>
           </a:xfrm>
           <a:prstGeom prst="rect">
             <a:avLst/>
@@ -108,7 +107,7 @@
         <p:spPr>
           <a:xfrm>
             <a:off x="504000" y="1326600"/>
-            <a:ext cx="9071640" cy="1568160"/>
+            <a:ext cx="9072000" cy="1568520"/>
           </a:xfrm>
           <a:prstGeom prst="rect">
             <a:avLst/>
@@ -141,8 +140,8 @@
         </p:nvSpPr>
         <p:spPr>
           <a:xfrm>
-            <a:off x="504000" y="3044160"/>
-            <a:ext cx="9071640" cy="1568160"/>
+            <a:off x="504000" y="3044520"/>
+            <a:ext cx="9072000" cy="1568520"/>
           </a:xfrm>
           <a:prstGeom prst="rect">
             <a:avLst/>
@@ -198,7 +197,7 @@
         <p:spPr>
           <a:xfrm>
             <a:off x="504000" y="226080"/>
-            <a:ext cx="9071640" cy="946440"/>
+            <a:ext cx="9072000" cy="946440"/>
           </a:xfrm>
           <a:prstGeom prst="rect">
             <a:avLst/>
@@ -235,7 +234,7 @@
         <p:spPr>
           <a:xfrm>
             <a:off x="504000" y="1326600"/>
-            <a:ext cx="4426920" cy="1568160"/>
+            <a:ext cx="4426920" cy="1568520"/>
           </a:xfrm>
           <a:prstGeom prst="rect">
             <a:avLst/>
@@ -269,7 +268,7 @@
         <p:spPr>
           <a:xfrm>
             <a:off x="5152680" y="1326600"/>
-            <a:ext cx="4426920" cy="1568160"/>
+            <a:ext cx="4426920" cy="1568520"/>
           </a:xfrm>
           <a:prstGeom prst="rect">
             <a:avLst/>
@@ -302,8 +301,8 @@
         </p:nvSpPr>
         <p:spPr>
           <a:xfrm>
-            <a:off x="504000" y="3044160"/>
-            <a:ext cx="4426920" cy="1568160"/>
+            <a:off x="504000" y="3044520"/>
+            <a:ext cx="4426920" cy="1568520"/>
           </a:xfrm>
           <a:prstGeom prst="rect">
             <a:avLst/>
@@ -336,8 +335,8 @@
         </p:nvSpPr>
         <p:spPr>
           <a:xfrm>
-            <a:off x="5152680" y="3044160"/>
-            <a:ext cx="4426920" cy="1568160"/>
+            <a:off x="5152680" y="3044520"/>
+            <a:ext cx="4426920" cy="1568520"/>
           </a:xfrm>
           <a:prstGeom prst="rect">
             <a:avLst/>
@@ -393,7 +392,7 @@
         <p:spPr>
           <a:xfrm>
             <a:off x="504000" y="226080"/>
-            <a:ext cx="9071640" cy="946440"/>
+            <a:ext cx="9072000" cy="946440"/>
           </a:xfrm>
           <a:prstGeom prst="rect">
             <a:avLst/>
@@ -430,7 +429,7 @@
         <p:spPr>
           <a:xfrm>
             <a:off x="504000" y="1326600"/>
-            <a:ext cx="2920680" cy="1568160"/>
+            <a:ext cx="2921040" cy="1568520"/>
           </a:xfrm>
           <a:prstGeom prst="rect">
             <a:avLst/>
@@ -463,8 +462,8 @@
         </p:nvSpPr>
         <p:spPr>
           <a:xfrm>
-            <a:off x="3571200" y="1326600"/>
-            <a:ext cx="2920680" cy="1568160"/>
+            <a:off x="3571560" y="1326600"/>
+            <a:ext cx="2921040" cy="1568520"/>
           </a:xfrm>
           <a:prstGeom prst="rect">
             <a:avLst/>
@@ -497,8 +496,8 @@
         </p:nvSpPr>
         <p:spPr>
           <a:xfrm>
-            <a:off x="6638040" y="1326600"/>
-            <a:ext cx="2920680" cy="1568160"/>
+            <a:off x="6639120" y="1326600"/>
+            <a:ext cx="2921040" cy="1568520"/>
           </a:xfrm>
           <a:prstGeom prst="rect">
             <a:avLst/>
@@ -531,8 +530,8 @@
         </p:nvSpPr>
         <p:spPr>
           <a:xfrm>
-            <a:off x="504000" y="3044160"/>
-            <a:ext cx="2920680" cy="1568160"/>
+            <a:off x="504000" y="3044520"/>
+            <a:ext cx="2921040" cy="1568520"/>
           </a:xfrm>
           <a:prstGeom prst="rect">
             <a:avLst/>
@@ -565,8 +564,8 @@
         </p:nvSpPr>
         <p:spPr>
           <a:xfrm>
-            <a:off x="3571200" y="3044160"/>
-            <a:ext cx="2920680" cy="1568160"/>
+            <a:off x="3571560" y="3044520"/>
+            <a:ext cx="2921040" cy="1568520"/>
           </a:xfrm>
           <a:prstGeom prst="rect">
             <a:avLst/>
@@ -599,8 +598,8 @@
         </p:nvSpPr>
         <p:spPr>
           <a:xfrm>
-            <a:off x="6638040" y="3044160"/>
-            <a:ext cx="2920680" cy="1568160"/>
+            <a:off x="6639120" y="3044520"/>
+            <a:ext cx="2921040" cy="1568520"/>
           </a:xfrm>
           <a:prstGeom prst="rect">
             <a:avLst/>
@@ -643,67 +642,6 @@
           <a:chExt cx="0" cy="0"/>
         </a:xfrm>
       </p:grpSpPr>
-      <p:sp>
-        <p:nvSpPr>
-          <p:cNvPr id="2" name="PlaceHolder 1"/>
-          <p:cNvSpPr>
-            <a:spLocks noGrp="1"/>
-          </p:cNvSpPr>
-          <p:nvPr>
-            <p:ph type="ftr" idx="2"/>
-          </p:nvPr>
-        </p:nvSpPr>
-        <p:spPr/>
-        <p:txBody>
-          <a:bodyPr/>
-          <a:p>
-            <a:r>
-              <a:t>Footer</a:t>
-            </a:r>
-          </a:p>
-        </p:txBody>
-      </p:sp>
-      <p:sp>
-        <p:nvSpPr>
-          <p:cNvPr id="3" name="PlaceHolder 2"/>
-          <p:cNvSpPr>
-            <a:spLocks noGrp="1"/>
-          </p:cNvSpPr>
-          <p:nvPr>
-            <p:ph type="sldNum" idx="3"/>
-          </p:nvPr>
-        </p:nvSpPr>
-        <p:spPr/>
-        <p:txBody>
-          <a:bodyPr/>
-          <a:p>
-            <a:fld id="{8D7A5C91-3A32-4776-B6D9-552650848EA9}" type="slidenum">
-              <a:t>&lt;#&gt;</a:t>
-            </a:fld>
-          </a:p>
-        </p:txBody>
-      </p:sp>
-      <p:sp>
-        <p:nvSpPr>
-          <p:cNvPr id="4" name="PlaceHolder 3"/>
-          <p:cNvSpPr>
-            <a:spLocks noGrp="1"/>
-          </p:cNvSpPr>
-          <p:nvPr>
-            <p:ph type="dt" idx="1"/>
-          </p:nvPr>
-        </p:nvSpPr>
-        <p:spPr/>
-        <p:txBody>
-          <a:bodyPr/>
-          <a:p>
-            <a:r>
-              <a:rPr lang="en-IN"/>
-              <a:t/>
-            </a:r>
-          </a:p>
-        </p:txBody>
-      </p:sp>
     </p:spTree>
   </p:cSld>
 </p:sldLayout>
@@ -728,7 +666,7 @@
       </p:grpSpPr>
       <p:sp>
         <p:nvSpPr>
-          <p:cNvPr id="49" name="PlaceHolder 1"/>
+          <p:cNvPr id="44" name="PlaceHolder 1"/>
           <p:cNvSpPr>
             <a:spLocks noGrp="1"/>
           </p:cNvSpPr>
@@ -739,7 +677,7 @@
         <p:spPr>
           <a:xfrm>
             <a:off x="504000" y="226080"/>
-            <a:ext cx="9071640" cy="946440"/>
+            <a:ext cx="9072000" cy="946440"/>
           </a:xfrm>
           <a:prstGeom prst="rect">
             <a:avLst/>
@@ -765,7 +703,7 @@
       </p:sp>
       <p:sp>
         <p:nvSpPr>
-          <p:cNvPr id="50" name="PlaceHolder 2"/>
+          <p:cNvPr id="45" name="PlaceHolder 2"/>
           <p:cNvSpPr>
             <a:spLocks noGrp="1"/>
           </p:cNvSpPr>
@@ -776,7 +714,7 @@
         <p:spPr>
           <a:xfrm>
             <a:off x="504000" y="1326600"/>
-            <a:ext cx="9071640" cy="3288240"/>
+            <a:ext cx="9072000" cy="3288600"/>
           </a:xfrm>
           <a:prstGeom prst="rect">
             <a:avLst/>
@@ -797,67 +735,6 @@
             <a:endParaRPr b="0" lang="en-IN" sz="3200" spc="-1" strike="noStrike">
               <a:latin typeface="Arial"/>
             </a:endParaRPr>
-          </a:p>
-        </p:txBody>
-      </p:sp>
-      <p:sp>
-        <p:nvSpPr>
-          <p:cNvPr id="4" name="PlaceHolder 3"/>
-          <p:cNvSpPr>
-            <a:spLocks noGrp="1"/>
-          </p:cNvSpPr>
-          <p:nvPr>
-            <p:ph type="ftr" idx="2"/>
-          </p:nvPr>
-        </p:nvSpPr>
-        <p:spPr/>
-        <p:txBody>
-          <a:bodyPr/>
-          <a:p>
-            <a:r>
-              <a:t>Footer</a:t>
-            </a:r>
-          </a:p>
-        </p:txBody>
-      </p:sp>
-      <p:sp>
-        <p:nvSpPr>
-          <p:cNvPr id="5" name="PlaceHolder 4"/>
-          <p:cNvSpPr>
-            <a:spLocks noGrp="1"/>
-          </p:cNvSpPr>
-          <p:nvPr>
-            <p:ph type="sldNum" idx="3"/>
-          </p:nvPr>
-        </p:nvSpPr>
-        <p:spPr/>
-        <p:txBody>
-          <a:bodyPr/>
-          <a:p>
-            <a:fld id="{DB6797E0-FFF5-43DE-9117-AF63CA7C4654}" type="slidenum">
-              <a:t>&lt;#&gt;</a:t>
-            </a:fld>
-          </a:p>
-        </p:txBody>
-      </p:sp>
-      <p:sp>
-        <p:nvSpPr>
-          <p:cNvPr id="6" name="PlaceHolder 5"/>
-          <p:cNvSpPr>
-            <a:spLocks noGrp="1"/>
-          </p:cNvSpPr>
-          <p:nvPr>
-            <p:ph type="dt" idx="1"/>
-          </p:nvPr>
-        </p:nvSpPr>
-        <p:spPr/>
-        <p:txBody>
-          <a:bodyPr/>
-          <a:p>
-            <a:r>
-              <a:rPr lang="en-IN"/>
-              <a:t/>
-            </a:r>
           </a:p>
         </p:txBody>
       </p:sp>
@@ -885,7 +762,7 @@
       </p:grpSpPr>
       <p:sp>
         <p:nvSpPr>
-          <p:cNvPr id="51" name="PlaceHolder 1"/>
+          <p:cNvPr id="46" name="PlaceHolder 1"/>
           <p:cNvSpPr>
             <a:spLocks noGrp="1"/>
           </p:cNvSpPr>
@@ -896,7 +773,7 @@
         <p:spPr>
           <a:xfrm>
             <a:off x="504000" y="226080"/>
-            <a:ext cx="9071640" cy="946440"/>
+            <a:ext cx="9072000" cy="946440"/>
           </a:xfrm>
           <a:prstGeom prst="rect">
             <a:avLst/>
@@ -922,7 +799,7 @@
       </p:sp>
       <p:sp>
         <p:nvSpPr>
-          <p:cNvPr id="52" name="PlaceHolder 2"/>
+          <p:cNvPr id="47" name="PlaceHolder 2"/>
           <p:cNvSpPr>
             <a:spLocks noGrp="1"/>
           </p:cNvSpPr>
@@ -933,7 +810,7 @@
         <p:spPr>
           <a:xfrm>
             <a:off x="504000" y="1326600"/>
-            <a:ext cx="9071640" cy="3288240"/>
+            <a:ext cx="9072000" cy="3288600"/>
           </a:xfrm>
           <a:prstGeom prst="rect">
             <a:avLst/>
@@ -951,67 +828,6 @@
             <a:endParaRPr b="0" lang="en-IN" sz="3200" spc="-1" strike="noStrike">
               <a:latin typeface="Arial"/>
             </a:endParaRPr>
-          </a:p>
-        </p:txBody>
-      </p:sp>
-      <p:sp>
-        <p:nvSpPr>
-          <p:cNvPr id="4" name="PlaceHolder 3"/>
-          <p:cNvSpPr>
-            <a:spLocks noGrp="1"/>
-          </p:cNvSpPr>
-          <p:nvPr>
-            <p:ph type="ftr" idx="2"/>
-          </p:nvPr>
-        </p:nvSpPr>
-        <p:spPr/>
-        <p:txBody>
-          <a:bodyPr/>
-          <a:p>
-            <a:r>
-              <a:t>Footer</a:t>
-            </a:r>
-          </a:p>
-        </p:txBody>
-      </p:sp>
-      <p:sp>
-        <p:nvSpPr>
-          <p:cNvPr id="5" name="PlaceHolder 4"/>
-          <p:cNvSpPr>
-            <a:spLocks noGrp="1"/>
-          </p:cNvSpPr>
-          <p:nvPr>
-            <p:ph type="sldNum" idx="3"/>
-          </p:nvPr>
-        </p:nvSpPr>
-        <p:spPr/>
-        <p:txBody>
-          <a:bodyPr/>
-          <a:p>
-            <a:fld id="{3066B031-6CE0-42AB-94C0-BD93E8860967}" type="slidenum">
-              <a:t>&lt;#&gt;</a:t>
-            </a:fld>
-          </a:p>
-        </p:txBody>
-      </p:sp>
-      <p:sp>
-        <p:nvSpPr>
-          <p:cNvPr id="6" name="PlaceHolder 5"/>
-          <p:cNvSpPr>
-            <a:spLocks noGrp="1"/>
-          </p:cNvSpPr>
-          <p:nvPr>
-            <p:ph type="dt" idx="1"/>
-          </p:nvPr>
-        </p:nvSpPr>
-        <p:spPr/>
-        <p:txBody>
-          <a:bodyPr/>
-          <a:p>
-            <a:r>
-              <a:rPr lang="en-IN"/>
-              <a:t/>
-            </a:r>
           </a:p>
         </p:txBody>
       </p:sp>
@@ -1039,7 +855,7 @@
       </p:grpSpPr>
       <p:sp>
         <p:nvSpPr>
-          <p:cNvPr id="53" name="PlaceHolder 1"/>
+          <p:cNvPr id="48" name="PlaceHolder 1"/>
           <p:cNvSpPr>
             <a:spLocks noGrp="1"/>
           </p:cNvSpPr>
@@ -1050,7 +866,7 @@
         <p:spPr>
           <a:xfrm>
             <a:off x="504000" y="226080"/>
-            <a:ext cx="9071640" cy="946440"/>
+            <a:ext cx="9072000" cy="946440"/>
           </a:xfrm>
           <a:prstGeom prst="rect">
             <a:avLst/>
@@ -1076,7 +892,7 @@
       </p:sp>
       <p:sp>
         <p:nvSpPr>
-          <p:cNvPr id="54" name="PlaceHolder 2"/>
+          <p:cNvPr id="49" name="PlaceHolder 2"/>
           <p:cNvSpPr>
             <a:spLocks noGrp="1"/>
           </p:cNvSpPr>
@@ -1087,7 +903,7 @@
         <p:spPr>
           <a:xfrm>
             <a:off x="504000" y="1326600"/>
-            <a:ext cx="4426920" cy="3288240"/>
+            <a:ext cx="4426920" cy="3288600"/>
           </a:xfrm>
           <a:prstGeom prst="rect">
             <a:avLst/>
@@ -1110,7 +926,7 @@
       </p:sp>
       <p:sp>
         <p:nvSpPr>
-          <p:cNvPr id="55" name="PlaceHolder 3"/>
+          <p:cNvPr id="50" name="PlaceHolder 3"/>
           <p:cNvSpPr>
             <a:spLocks noGrp="1"/>
           </p:cNvSpPr>
@@ -1121,7 +937,7 @@
         <p:spPr>
           <a:xfrm>
             <a:off x="5152680" y="1326600"/>
-            <a:ext cx="4426920" cy="3288240"/>
+            <a:ext cx="4426920" cy="3288600"/>
           </a:xfrm>
           <a:prstGeom prst="rect">
             <a:avLst/>
@@ -1139,67 +955,6 @@
             <a:endParaRPr b="0" lang="en-IN" sz="3200" spc="-1" strike="noStrike">
               <a:latin typeface="Arial"/>
             </a:endParaRPr>
-          </a:p>
-        </p:txBody>
-      </p:sp>
-      <p:sp>
-        <p:nvSpPr>
-          <p:cNvPr id="5" name="PlaceHolder 4"/>
-          <p:cNvSpPr>
-            <a:spLocks noGrp="1"/>
-          </p:cNvSpPr>
-          <p:nvPr>
-            <p:ph type="ftr" idx="2"/>
-          </p:nvPr>
-        </p:nvSpPr>
-        <p:spPr/>
-        <p:txBody>
-          <a:bodyPr/>
-          <a:p>
-            <a:r>
-              <a:t>Footer</a:t>
-            </a:r>
-          </a:p>
-        </p:txBody>
-      </p:sp>
-      <p:sp>
-        <p:nvSpPr>
-          <p:cNvPr id="6" name="PlaceHolder 5"/>
-          <p:cNvSpPr>
-            <a:spLocks noGrp="1"/>
-          </p:cNvSpPr>
-          <p:nvPr>
-            <p:ph type="sldNum" idx="3"/>
-          </p:nvPr>
-        </p:nvSpPr>
-        <p:spPr/>
-        <p:txBody>
-          <a:bodyPr/>
-          <a:p>
-            <a:fld id="{BD70622C-2224-4004-A569-841794307C11}" type="slidenum">
-              <a:t>&lt;#&gt;</a:t>
-            </a:fld>
-          </a:p>
-        </p:txBody>
-      </p:sp>
-      <p:sp>
-        <p:nvSpPr>
-          <p:cNvPr id="7" name="PlaceHolder 6"/>
-          <p:cNvSpPr>
-            <a:spLocks noGrp="1"/>
-          </p:cNvSpPr>
-          <p:nvPr>
-            <p:ph type="dt" idx="1"/>
-          </p:nvPr>
-        </p:nvSpPr>
-        <p:spPr/>
-        <p:txBody>
-          <a:bodyPr/>
-          <a:p>
-            <a:r>
-              <a:rPr lang="en-IN"/>
-              <a:t/>
-            </a:r>
           </a:p>
         </p:txBody>
       </p:sp>
@@ -1227,7 +982,7 @@
       </p:grpSpPr>
       <p:sp>
         <p:nvSpPr>
-          <p:cNvPr id="56" name="PlaceHolder 1"/>
+          <p:cNvPr id="51" name="PlaceHolder 1"/>
           <p:cNvSpPr>
             <a:spLocks noGrp="1"/>
           </p:cNvSpPr>
@@ -1238,7 +993,7 @@
         <p:spPr>
           <a:xfrm>
             <a:off x="504000" y="226080"/>
-            <a:ext cx="9071640" cy="946440"/>
+            <a:ext cx="9072000" cy="946440"/>
           </a:xfrm>
           <a:prstGeom prst="rect">
             <a:avLst/>
@@ -1259,67 +1014,6 @@
             <a:endParaRPr b="0" lang="en-IN" sz="4400" spc="-1" strike="noStrike">
               <a:latin typeface="Arial"/>
             </a:endParaRPr>
-          </a:p>
-        </p:txBody>
-      </p:sp>
-      <p:sp>
-        <p:nvSpPr>
-          <p:cNvPr id="3" name="PlaceHolder 2"/>
-          <p:cNvSpPr>
-            <a:spLocks noGrp="1"/>
-          </p:cNvSpPr>
-          <p:nvPr>
-            <p:ph type="ftr" idx="2"/>
-          </p:nvPr>
-        </p:nvSpPr>
-        <p:spPr/>
-        <p:txBody>
-          <a:bodyPr/>
-          <a:p>
-            <a:r>
-              <a:t>Footer</a:t>
-            </a:r>
-          </a:p>
-        </p:txBody>
-      </p:sp>
-      <p:sp>
-        <p:nvSpPr>
-          <p:cNvPr id="4" name="PlaceHolder 3"/>
-          <p:cNvSpPr>
-            <a:spLocks noGrp="1"/>
-          </p:cNvSpPr>
-          <p:nvPr>
-            <p:ph type="sldNum" idx="3"/>
-          </p:nvPr>
-        </p:nvSpPr>
-        <p:spPr/>
-        <p:txBody>
-          <a:bodyPr/>
-          <a:p>
-            <a:fld id="{7C20BCFE-A0BE-4492-8F02-C2076DD4F245}" type="slidenum">
-              <a:t>&lt;#&gt;</a:t>
-            </a:fld>
-          </a:p>
-        </p:txBody>
-      </p:sp>
-      <p:sp>
-        <p:nvSpPr>
-          <p:cNvPr id="5" name="PlaceHolder 4"/>
-          <p:cNvSpPr>
-            <a:spLocks noGrp="1"/>
-          </p:cNvSpPr>
-          <p:nvPr>
-            <p:ph type="dt" idx="1"/>
-          </p:nvPr>
-        </p:nvSpPr>
-        <p:spPr/>
-        <p:txBody>
-          <a:bodyPr/>
-          <a:p>
-            <a:r>
-              <a:rPr lang="en-IN"/>
-              <a:t/>
-            </a:r>
           </a:p>
         </p:txBody>
       </p:sp>
@@ -1347,7 +1041,7 @@
       </p:grpSpPr>
       <p:sp>
         <p:nvSpPr>
-          <p:cNvPr id="57" name="PlaceHolder 1"/>
+          <p:cNvPr id="52" name="PlaceHolder 1"/>
           <p:cNvSpPr>
             <a:spLocks noGrp="1"/>
           </p:cNvSpPr>
@@ -1358,7 +1052,7 @@
         <p:spPr>
           <a:xfrm>
             <a:off x="504000" y="226080"/>
-            <a:ext cx="9071640" cy="4388400"/>
+            <a:ext cx="9072000" cy="4388400"/>
           </a:xfrm>
           <a:prstGeom prst="rect">
             <a:avLst/>
@@ -1379,67 +1073,6 @@
             <a:endParaRPr b="0" lang="en-IN" sz="3200" spc="-1" strike="noStrike">
               <a:latin typeface="Arial"/>
             </a:endParaRPr>
-          </a:p>
-        </p:txBody>
-      </p:sp>
-      <p:sp>
-        <p:nvSpPr>
-          <p:cNvPr id="3" name="PlaceHolder 2"/>
-          <p:cNvSpPr>
-            <a:spLocks noGrp="1"/>
-          </p:cNvSpPr>
-          <p:nvPr>
-            <p:ph type="ftr" idx="2"/>
-          </p:nvPr>
-        </p:nvSpPr>
-        <p:spPr/>
-        <p:txBody>
-          <a:bodyPr/>
-          <a:p>
-            <a:r>
-              <a:t>Footer</a:t>
-            </a:r>
-          </a:p>
-        </p:txBody>
-      </p:sp>
-      <p:sp>
-        <p:nvSpPr>
-          <p:cNvPr id="4" name="PlaceHolder 3"/>
-          <p:cNvSpPr>
-            <a:spLocks noGrp="1"/>
-          </p:cNvSpPr>
-          <p:nvPr>
-            <p:ph type="sldNum" idx="3"/>
-          </p:nvPr>
-        </p:nvSpPr>
-        <p:spPr/>
-        <p:txBody>
-          <a:bodyPr/>
-          <a:p>
-            <a:fld id="{DAE8B009-0818-4B87-8AA5-DF93490B22B5}" type="slidenum">
-              <a:t>&lt;#&gt;</a:t>
-            </a:fld>
-          </a:p>
-        </p:txBody>
-      </p:sp>
-      <p:sp>
-        <p:nvSpPr>
-          <p:cNvPr id="5" name="PlaceHolder 4"/>
-          <p:cNvSpPr>
-            <a:spLocks noGrp="1"/>
-          </p:cNvSpPr>
-          <p:nvPr>
-            <p:ph type="dt" idx="1"/>
-          </p:nvPr>
-        </p:nvSpPr>
-        <p:spPr/>
-        <p:txBody>
-          <a:bodyPr/>
-          <a:p>
-            <a:r>
-              <a:rPr lang="en-IN"/>
-              <a:t/>
-            </a:r>
           </a:p>
         </p:txBody>
       </p:sp>
@@ -1467,7 +1100,7 @@
       </p:grpSpPr>
       <p:sp>
         <p:nvSpPr>
-          <p:cNvPr id="58" name="PlaceHolder 1"/>
+          <p:cNvPr id="53" name="PlaceHolder 1"/>
           <p:cNvSpPr>
             <a:spLocks noGrp="1"/>
           </p:cNvSpPr>
@@ -1478,7 +1111,7 @@
         <p:spPr>
           <a:xfrm>
             <a:off x="504000" y="226080"/>
-            <a:ext cx="9071640" cy="946440"/>
+            <a:ext cx="9072000" cy="946440"/>
           </a:xfrm>
           <a:prstGeom prst="rect">
             <a:avLst/>
@@ -1504,7 +1137,7 @@
       </p:sp>
       <p:sp>
         <p:nvSpPr>
-          <p:cNvPr id="59" name="PlaceHolder 2"/>
+          <p:cNvPr id="54" name="PlaceHolder 2"/>
           <p:cNvSpPr>
             <a:spLocks noGrp="1"/>
           </p:cNvSpPr>
@@ -1515,7 +1148,7 @@
         <p:spPr>
           <a:xfrm>
             <a:off x="504000" y="1326600"/>
-            <a:ext cx="4426920" cy="1568160"/>
+            <a:ext cx="4426920" cy="1568520"/>
           </a:xfrm>
           <a:prstGeom prst="rect">
             <a:avLst/>
@@ -1538,7 +1171,7 @@
       </p:sp>
       <p:sp>
         <p:nvSpPr>
-          <p:cNvPr id="60" name="PlaceHolder 3"/>
+          <p:cNvPr id="55" name="PlaceHolder 3"/>
           <p:cNvSpPr>
             <a:spLocks noGrp="1"/>
           </p:cNvSpPr>
@@ -1549,7 +1182,7 @@
         <p:spPr>
           <a:xfrm>
             <a:off x="5152680" y="1326600"/>
-            <a:ext cx="4426920" cy="3288240"/>
+            <a:ext cx="4426920" cy="3288600"/>
           </a:xfrm>
           <a:prstGeom prst="rect">
             <a:avLst/>
@@ -1572,7 +1205,7 @@
       </p:sp>
       <p:sp>
         <p:nvSpPr>
-          <p:cNvPr id="61" name="PlaceHolder 4"/>
+          <p:cNvPr id="56" name="PlaceHolder 4"/>
           <p:cNvSpPr>
             <a:spLocks noGrp="1"/>
           </p:cNvSpPr>
@@ -1582,8 +1215,8 @@
         </p:nvSpPr>
         <p:spPr>
           <a:xfrm>
-            <a:off x="504000" y="3044160"/>
-            <a:ext cx="4426920" cy="1568160"/>
+            <a:off x="504000" y="3044520"/>
+            <a:ext cx="4426920" cy="1568520"/>
           </a:xfrm>
           <a:prstGeom prst="rect">
             <a:avLst/>
@@ -1601,67 +1234,6 @@
             <a:endParaRPr b="0" lang="en-IN" sz="3200" spc="-1" strike="noStrike">
               <a:latin typeface="Arial"/>
             </a:endParaRPr>
-          </a:p>
-        </p:txBody>
-      </p:sp>
-      <p:sp>
-        <p:nvSpPr>
-          <p:cNvPr id="6" name="PlaceHolder 5"/>
-          <p:cNvSpPr>
-            <a:spLocks noGrp="1"/>
-          </p:cNvSpPr>
-          <p:nvPr>
-            <p:ph type="ftr" idx="2"/>
-          </p:nvPr>
-        </p:nvSpPr>
-        <p:spPr/>
-        <p:txBody>
-          <a:bodyPr/>
-          <a:p>
-            <a:r>
-              <a:t>Footer</a:t>
-            </a:r>
-          </a:p>
-        </p:txBody>
-      </p:sp>
-      <p:sp>
-        <p:nvSpPr>
-          <p:cNvPr id="7" name="PlaceHolder 6"/>
-          <p:cNvSpPr>
-            <a:spLocks noGrp="1"/>
-          </p:cNvSpPr>
-          <p:nvPr>
-            <p:ph type="sldNum" idx="3"/>
-          </p:nvPr>
-        </p:nvSpPr>
-        <p:spPr/>
-        <p:txBody>
-          <a:bodyPr/>
-          <a:p>
-            <a:fld id="{FC5E092F-8767-4226-B51E-F9DB392BF66F}" type="slidenum">
-              <a:t>&lt;#&gt;</a:t>
-            </a:fld>
-          </a:p>
-        </p:txBody>
-      </p:sp>
-      <p:sp>
-        <p:nvSpPr>
-          <p:cNvPr id="8" name="PlaceHolder 7"/>
-          <p:cNvSpPr>
-            <a:spLocks noGrp="1"/>
-          </p:cNvSpPr>
-          <p:nvPr>
-            <p:ph type="dt" idx="1"/>
-          </p:nvPr>
-        </p:nvSpPr>
-        <p:spPr/>
-        <p:txBody>
-          <a:bodyPr/>
-          <a:p>
-            <a:r>
-              <a:rPr lang="en-IN"/>
-              <a:t/>
-            </a:r>
           </a:p>
         </p:txBody>
       </p:sp>
@@ -1700,7 +1272,7 @@
         <p:spPr>
           <a:xfrm>
             <a:off x="504000" y="226080"/>
-            <a:ext cx="9071640" cy="946440"/>
+            <a:ext cx="9072000" cy="946440"/>
           </a:xfrm>
           <a:prstGeom prst="rect">
             <a:avLst/>
@@ -1737,7 +1309,7 @@
         <p:spPr>
           <a:xfrm>
             <a:off x="504000" y="1326600"/>
-            <a:ext cx="9071640" cy="3288240"/>
+            <a:ext cx="9072000" cy="3288600"/>
           </a:xfrm>
           <a:prstGeom prst="rect">
             <a:avLst/>
@@ -1785,7 +1357,7 @@
       </p:grpSpPr>
       <p:sp>
         <p:nvSpPr>
-          <p:cNvPr id="62" name="PlaceHolder 1"/>
+          <p:cNvPr id="57" name="PlaceHolder 1"/>
           <p:cNvSpPr>
             <a:spLocks noGrp="1"/>
           </p:cNvSpPr>
@@ -1796,7 +1368,7 @@
         <p:spPr>
           <a:xfrm>
             <a:off x="504000" y="226080"/>
-            <a:ext cx="9071640" cy="946440"/>
+            <a:ext cx="9072000" cy="946440"/>
           </a:xfrm>
           <a:prstGeom prst="rect">
             <a:avLst/>
@@ -1822,7 +1394,7 @@
       </p:sp>
       <p:sp>
         <p:nvSpPr>
-          <p:cNvPr id="63" name="PlaceHolder 2"/>
+          <p:cNvPr id="58" name="PlaceHolder 2"/>
           <p:cNvSpPr>
             <a:spLocks noGrp="1"/>
           </p:cNvSpPr>
@@ -1833,7 +1405,7 @@
         <p:spPr>
           <a:xfrm>
             <a:off x="504000" y="1326600"/>
-            <a:ext cx="4426920" cy="3288240"/>
+            <a:ext cx="4426920" cy="3288600"/>
           </a:xfrm>
           <a:prstGeom prst="rect">
             <a:avLst/>
@@ -1856,7 +1428,7 @@
       </p:sp>
       <p:sp>
         <p:nvSpPr>
-          <p:cNvPr id="64" name="PlaceHolder 3"/>
+          <p:cNvPr id="59" name="PlaceHolder 3"/>
           <p:cNvSpPr>
             <a:spLocks noGrp="1"/>
           </p:cNvSpPr>
@@ -1867,7 +1439,7 @@
         <p:spPr>
           <a:xfrm>
             <a:off x="5152680" y="1326600"/>
-            <a:ext cx="4426920" cy="1568160"/>
+            <a:ext cx="4426920" cy="1568520"/>
           </a:xfrm>
           <a:prstGeom prst="rect">
             <a:avLst/>
@@ -1890,7 +1462,7 @@
       </p:sp>
       <p:sp>
         <p:nvSpPr>
-          <p:cNvPr id="65" name="PlaceHolder 4"/>
+          <p:cNvPr id="60" name="PlaceHolder 4"/>
           <p:cNvSpPr>
             <a:spLocks noGrp="1"/>
           </p:cNvSpPr>
@@ -1900,8 +1472,8 @@
         </p:nvSpPr>
         <p:spPr>
           <a:xfrm>
-            <a:off x="5152680" y="3044160"/>
-            <a:ext cx="4426920" cy="1568160"/>
+            <a:off x="5152680" y="3044520"/>
+            <a:ext cx="4426920" cy="1568520"/>
           </a:xfrm>
           <a:prstGeom prst="rect">
             <a:avLst/>
@@ -1919,67 +1491,6 @@
             <a:endParaRPr b="0" lang="en-IN" sz="3200" spc="-1" strike="noStrike">
               <a:latin typeface="Arial"/>
             </a:endParaRPr>
-          </a:p>
-        </p:txBody>
-      </p:sp>
-      <p:sp>
-        <p:nvSpPr>
-          <p:cNvPr id="6" name="PlaceHolder 5"/>
-          <p:cNvSpPr>
-            <a:spLocks noGrp="1"/>
-          </p:cNvSpPr>
-          <p:nvPr>
-            <p:ph type="ftr" idx="2"/>
-          </p:nvPr>
-        </p:nvSpPr>
-        <p:spPr/>
-        <p:txBody>
-          <a:bodyPr/>
-          <a:p>
-            <a:r>
-              <a:t>Footer</a:t>
-            </a:r>
-          </a:p>
-        </p:txBody>
-      </p:sp>
-      <p:sp>
-        <p:nvSpPr>
-          <p:cNvPr id="7" name="PlaceHolder 6"/>
-          <p:cNvSpPr>
-            <a:spLocks noGrp="1"/>
-          </p:cNvSpPr>
-          <p:nvPr>
-            <p:ph type="sldNum" idx="3"/>
-          </p:nvPr>
-        </p:nvSpPr>
-        <p:spPr/>
-        <p:txBody>
-          <a:bodyPr/>
-          <a:p>
-            <a:fld id="{65C85CB3-1412-49A3-8FC9-6C37B2819902}" type="slidenum">
-              <a:t>&lt;#&gt;</a:t>
-            </a:fld>
-          </a:p>
-        </p:txBody>
-      </p:sp>
-      <p:sp>
-        <p:nvSpPr>
-          <p:cNvPr id="8" name="PlaceHolder 7"/>
-          <p:cNvSpPr>
-            <a:spLocks noGrp="1"/>
-          </p:cNvSpPr>
-          <p:nvPr>
-            <p:ph type="dt" idx="1"/>
-          </p:nvPr>
-        </p:nvSpPr>
-        <p:spPr/>
-        <p:txBody>
-          <a:bodyPr/>
-          <a:p>
-            <a:r>
-              <a:rPr lang="en-IN"/>
-              <a:t/>
-            </a:r>
           </a:p>
         </p:txBody>
       </p:sp>
@@ -2007,7 +1518,7 @@
       </p:grpSpPr>
       <p:sp>
         <p:nvSpPr>
-          <p:cNvPr id="66" name="PlaceHolder 1"/>
+          <p:cNvPr id="61" name="PlaceHolder 1"/>
           <p:cNvSpPr>
             <a:spLocks noGrp="1"/>
           </p:cNvSpPr>
@@ -2018,7 +1529,7 @@
         <p:spPr>
           <a:xfrm>
             <a:off x="504000" y="226080"/>
-            <a:ext cx="9071640" cy="946440"/>
+            <a:ext cx="9072000" cy="946440"/>
           </a:xfrm>
           <a:prstGeom prst="rect">
             <a:avLst/>
@@ -2044,7 +1555,7 @@
       </p:sp>
       <p:sp>
         <p:nvSpPr>
-          <p:cNvPr id="67" name="PlaceHolder 2"/>
+          <p:cNvPr id="62" name="PlaceHolder 2"/>
           <p:cNvSpPr>
             <a:spLocks noGrp="1"/>
           </p:cNvSpPr>
@@ -2055,7 +1566,7 @@
         <p:spPr>
           <a:xfrm>
             <a:off x="504000" y="1326600"/>
-            <a:ext cx="4426920" cy="1568160"/>
+            <a:ext cx="4426920" cy="1568520"/>
           </a:xfrm>
           <a:prstGeom prst="rect">
             <a:avLst/>
@@ -2078,7 +1589,7 @@
       </p:sp>
       <p:sp>
         <p:nvSpPr>
-          <p:cNvPr id="68" name="PlaceHolder 3"/>
+          <p:cNvPr id="63" name="PlaceHolder 3"/>
           <p:cNvSpPr>
             <a:spLocks noGrp="1"/>
           </p:cNvSpPr>
@@ -2089,7 +1600,7 @@
         <p:spPr>
           <a:xfrm>
             <a:off x="5152680" y="1326600"/>
-            <a:ext cx="4426920" cy="1568160"/>
+            <a:ext cx="4426920" cy="1568520"/>
           </a:xfrm>
           <a:prstGeom prst="rect">
             <a:avLst/>
@@ -2112,7 +1623,7 @@
       </p:sp>
       <p:sp>
         <p:nvSpPr>
-          <p:cNvPr id="69" name="PlaceHolder 4"/>
+          <p:cNvPr id="64" name="PlaceHolder 4"/>
           <p:cNvSpPr>
             <a:spLocks noGrp="1"/>
           </p:cNvSpPr>
@@ -2122,8 +1633,8 @@
         </p:nvSpPr>
         <p:spPr>
           <a:xfrm>
-            <a:off x="504000" y="3044160"/>
-            <a:ext cx="9071640" cy="1568160"/>
+            <a:off x="504000" y="3044520"/>
+            <a:ext cx="9072000" cy="1568520"/>
           </a:xfrm>
           <a:prstGeom prst="rect">
             <a:avLst/>
@@ -2141,67 +1652,6 @@
             <a:endParaRPr b="0" lang="en-IN" sz="3200" spc="-1" strike="noStrike">
               <a:latin typeface="Arial"/>
             </a:endParaRPr>
-          </a:p>
-        </p:txBody>
-      </p:sp>
-      <p:sp>
-        <p:nvSpPr>
-          <p:cNvPr id="6" name="PlaceHolder 5"/>
-          <p:cNvSpPr>
-            <a:spLocks noGrp="1"/>
-          </p:cNvSpPr>
-          <p:nvPr>
-            <p:ph type="ftr" idx="2"/>
-          </p:nvPr>
-        </p:nvSpPr>
-        <p:spPr/>
-        <p:txBody>
-          <a:bodyPr/>
-          <a:p>
-            <a:r>
-              <a:t>Footer</a:t>
-            </a:r>
-          </a:p>
-        </p:txBody>
-      </p:sp>
-      <p:sp>
-        <p:nvSpPr>
-          <p:cNvPr id="7" name="PlaceHolder 6"/>
-          <p:cNvSpPr>
-            <a:spLocks noGrp="1"/>
-          </p:cNvSpPr>
-          <p:nvPr>
-            <p:ph type="sldNum" idx="3"/>
-          </p:nvPr>
-        </p:nvSpPr>
-        <p:spPr/>
-        <p:txBody>
-          <a:bodyPr/>
-          <a:p>
-            <a:fld id="{8E8070B7-D2B9-426B-A18A-FB101CAC48A8}" type="slidenum">
-              <a:t>&lt;#&gt;</a:t>
-            </a:fld>
-          </a:p>
-        </p:txBody>
-      </p:sp>
-      <p:sp>
-        <p:nvSpPr>
-          <p:cNvPr id="8" name="PlaceHolder 7"/>
-          <p:cNvSpPr>
-            <a:spLocks noGrp="1"/>
-          </p:cNvSpPr>
-          <p:nvPr>
-            <p:ph type="dt" idx="1"/>
-          </p:nvPr>
-        </p:nvSpPr>
-        <p:spPr/>
-        <p:txBody>
-          <a:bodyPr/>
-          <a:p>
-            <a:r>
-              <a:rPr lang="en-IN"/>
-              <a:t/>
-            </a:r>
           </a:p>
         </p:txBody>
       </p:sp>
@@ -2229,7 +1679,7 @@
       </p:grpSpPr>
       <p:sp>
         <p:nvSpPr>
-          <p:cNvPr id="70" name="PlaceHolder 1"/>
+          <p:cNvPr id="65" name="PlaceHolder 1"/>
           <p:cNvSpPr>
             <a:spLocks noGrp="1"/>
           </p:cNvSpPr>
@@ -2240,7 +1690,7 @@
         <p:spPr>
           <a:xfrm>
             <a:off x="504000" y="226080"/>
-            <a:ext cx="9071640" cy="946440"/>
+            <a:ext cx="9072000" cy="946440"/>
           </a:xfrm>
           <a:prstGeom prst="rect">
             <a:avLst/>
@@ -2266,7 +1716,7 @@
       </p:sp>
       <p:sp>
         <p:nvSpPr>
-          <p:cNvPr id="71" name="PlaceHolder 2"/>
+          <p:cNvPr id="66" name="PlaceHolder 2"/>
           <p:cNvSpPr>
             <a:spLocks noGrp="1"/>
           </p:cNvSpPr>
@@ -2277,7 +1727,7 @@
         <p:spPr>
           <a:xfrm>
             <a:off x="504000" y="1326600"/>
-            <a:ext cx="9071640" cy="1568160"/>
+            <a:ext cx="9072000" cy="1568520"/>
           </a:xfrm>
           <a:prstGeom prst="rect">
             <a:avLst/>
@@ -2300,7 +1750,7 @@
       </p:sp>
       <p:sp>
         <p:nvSpPr>
-          <p:cNvPr id="72" name="PlaceHolder 3"/>
+          <p:cNvPr id="67" name="PlaceHolder 3"/>
           <p:cNvSpPr>
             <a:spLocks noGrp="1"/>
           </p:cNvSpPr>
@@ -2310,8 +1760,8 @@
         </p:nvSpPr>
         <p:spPr>
           <a:xfrm>
-            <a:off x="504000" y="3044160"/>
-            <a:ext cx="9071640" cy="1568160"/>
+            <a:off x="504000" y="3044520"/>
+            <a:ext cx="9072000" cy="1568520"/>
           </a:xfrm>
           <a:prstGeom prst="rect">
             <a:avLst/>
@@ -2329,67 +1779,6 @@
             <a:endParaRPr b="0" lang="en-IN" sz="3200" spc="-1" strike="noStrike">
               <a:latin typeface="Arial"/>
             </a:endParaRPr>
-          </a:p>
-        </p:txBody>
-      </p:sp>
-      <p:sp>
-        <p:nvSpPr>
-          <p:cNvPr id="5" name="PlaceHolder 4"/>
-          <p:cNvSpPr>
-            <a:spLocks noGrp="1"/>
-          </p:cNvSpPr>
-          <p:nvPr>
-            <p:ph type="ftr" idx="2"/>
-          </p:nvPr>
-        </p:nvSpPr>
-        <p:spPr/>
-        <p:txBody>
-          <a:bodyPr/>
-          <a:p>
-            <a:r>
-              <a:t>Footer</a:t>
-            </a:r>
-          </a:p>
-        </p:txBody>
-      </p:sp>
-      <p:sp>
-        <p:nvSpPr>
-          <p:cNvPr id="6" name="PlaceHolder 5"/>
-          <p:cNvSpPr>
-            <a:spLocks noGrp="1"/>
-          </p:cNvSpPr>
-          <p:nvPr>
-            <p:ph type="sldNum" idx="3"/>
-          </p:nvPr>
-        </p:nvSpPr>
-        <p:spPr/>
-        <p:txBody>
-          <a:bodyPr/>
-          <a:p>
-            <a:fld id="{44705709-7B66-4314-9A09-4B78B184E64E}" type="slidenum">
-              <a:t>&lt;#&gt;</a:t>
-            </a:fld>
-          </a:p>
-        </p:txBody>
-      </p:sp>
-      <p:sp>
-        <p:nvSpPr>
-          <p:cNvPr id="7" name="PlaceHolder 6"/>
-          <p:cNvSpPr>
-            <a:spLocks noGrp="1"/>
-          </p:cNvSpPr>
-          <p:nvPr>
-            <p:ph type="dt" idx="1"/>
-          </p:nvPr>
-        </p:nvSpPr>
-        <p:spPr/>
-        <p:txBody>
-          <a:bodyPr/>
-          <a:p>
-            <a:r>
-              <a:rPr lang="en-IN"/>
-              <a:t/>
-            </a:r>
           </a:p>
         </p:txBody>
       </p:sp>
@@ -2417,7 +1806,7 @@
       </p:grpSpPr>
       <p:sp>
         <p:nvSpPr>
-          <p:cNvPr id="73" name="PlaceHolder 1"/>
+          <p:cNvPr id="68" name="PlaceHolder 1"/>
           <p:cNvSpPr>
             <a:spLocks noGrp="1"/>
           </p:cNvSpPr>
@@ -2428,7 +1817,7 @@
         <p:spPr>
           <a:xfrm>
             <a:off x="504000" y="226080"/>
-            <a:ext cx="9071640" cy="946440"/>
+            <a:ext cx="9072000" cy="946440"/>
           </a:xfrm>
           <a:prstGeom prst="rect">
             <a:avLst/>
@@ -2454,7 +1843,7 @@
       </p:sp>
       <p:sp>
         <p:nvSpPr>
-          <p:cNvPr id="74" name="PlaceHolder 2"/>
+          <p:cNvPr id="69" name="PlaceHolder 2"/>
           <p:cNvSpPr>
             <a:spLocks noGrp="1"/>
           </p:cNvSpPr>
@@ -2465,7 +1854,7 @@
         <p:spPr>
           <a:xfrm>
             <a:off x="504000" y="1326600"/>
-            <a:ext cx="4426920" cy="1568160"/>
+            <a:ext cx="4426920" cy="1568520"/>
           </a:xfrm>
           <a:prstGeom prst="rect">
             <a:avLst/>
@@ -2488,7 +1877,7 @@
       </p:sp>
       <p:sp>
         <p:nvSpPr>
-          <p:cNvPr id="75" name="PlaceHolder 3"/>
+          <p:cNvPr id="70" name="PlaceHolder 3"/>
           <p:cNvSpPr>
             <a:spLocks noGrp="1"/>
           </p:cNvSpPr>
@@ -2499,7 +1888,7 @@
         <p:spPr>
           <a:xfrm>
             <a:off x="5152680" y="1326600"/>
-            <a:ext cx="4426920" cy="1568160"/>
+            <a:ext cx="4426920" cy="1568520"/>
           </a:xfrm>
           <a:prstGeom prst="rect">
             <a:avLst/>
@@ -2522,7 +1911,7 @@
       </p:sp>
       <p:sp>
         <p:nvSpPr>
-          <p:cNvPr id="76" name="PlaceHolder 4"/>
+          <p:cNvPr id="71" name="PlaceHolder 4"/>
           <p:cNvSpPr>
             <a:spLocks noGrp="1"/>
           </p:cNvSpPr>
@@ -2532,8 +1921,8 @@
         </p:nvSpPr>
         <p:spPr>
           <a:xfrm>
-            <a:off x="504000" y="3044160"/>
-            <a:ext cx="4426920" cy="1568160"/>
+            <a:off x="504000" y="3044520"/>
+            <a:ext cx="4426920" cy="1568520"/>
           </a:xfrm>
           <a:prstGeom prst="rect">
             <a:avLst/>
@@ -2556,7 +1945,7 @@
       </p:sp>
       <p:sp>
         <p:nvSpPr>
-          <p:cNvPr id="77" name="PlaceHolder 5"/>
+          <p:cNvPr id="72" name="PlaceHolder 5"/>
           <p:cNvSpPr>
             <a:spLocks noGrp="1"/>
           </p:cNvSpPr>
@@ -2566,8 +1955,8 @@
         </p:nvSpPr>
         <p:spPr>
           <a:xfrm>
-            <a:off x="5152680" y="3044160"/>
-            <a:ext cx="4426920" cy="1568160"/>
+            <a:off x="5152680" y="3044520"/>
+            <a:ext cx="4426920" cy="1568520"/>
           </a:xfrm>
           <a:prstGeom prst="rect">
             <a:avLst/>
@@ -2585,67 +1974,6 @@
             <a:endParaRPr b="0" lang="en-IN" sz="3200" spc="-1" strike="noStrike">
               <a:latin typeface="Arial"/>
             </a:endParaRPr>
-          </a:p>
-        </p:txBody>
-      </p:sp>
-      <p:sp>
-        <p:nvSpPr>
-          <p:cNvPr id="7" name="PlaceHolder 6"/>
-          <p:cNvSpPr>
-            <a:spLocks noGrp="1"/>
-          </p:cNvSpPr>
-          <p:nvPr>
-            <p:ph type="ftr" idx="2"/>
-          </p:nvPr>
-        </p:nvSpPr>
-        <p:spPr/>
-        <p:txBody>
-          <a:bodyPr/>
-          <a:p>
-            <a:r>
-              <a:t>Footer</a:t>
-            </a:r>
-          </a:p>
-        </p:txBody>
-      </p:sp>
-      <p:sp>
-        <p:nvSpPr>
-          <p:cNvPr id="8" name="PlaceHolder 7"/>
-          <p:cNvSpPr>
-            <a:spLocks noGrp="1"/>
-          </p:cNvSpPr>
-          <p:nvPr>
-            <p:ph type="sldNum" idx="3"/>
-          </p:nvPr>
-        </p:nvSpPr>
-        <p:spPr/>
-        <p:txBody>
-          <a:bodyPr/>
-          <a:p>
-            <a:fld id="{07041A69-1355-4758-8EAC-9EAF6A961281}" type="slidenum">
-              <a:t>&lt;#&gt;</a:t>
-            </a:fld>
-          </a:p>
-        </p:txBody>
-      </p:sp>
-      <p:sp>
-        <p:nvSpPr>
-          <p:cNvPr id="9" name="PlaceHolder 8"/>
-          <p:cNvSpPr>
-            <a:spLocks noGrp="1"/>
-          </p:cNvSpPr>
-          <p:nvPr>
-            <p:ph type="dt" idx="1"/>
-          </p:nvPr>
-        </p:nvSpPr>
-        <p:spPr/>
-        <p:txBody>
-          <a:bodyPr/>
-          <a:p>
-            <a:r>
-              <a:rPr lang="en-IN"/>
-              <a:t/>
-            </a:r>
           </a:p>
         </p:txBody>
       </p:sp>
@@ -2673,7 +2001,7 @@
       </p:grpSpPr>
       <p:sp>
         <p:nvSpPr>
-          <p:cNvPr id="78" name="PlaceHolder 1"/>
+          <p:cNvPr id="73" name="PlaceHolder 1"/>
           <p:cNvSpPr>
             <a:spLocks noGrp="1"/>
           </p:cNvSpPr>
@@ -2684,7 +2012,7 @@
         <p:spPr>
           <a:xfrm>
             <a:off x="504000" y="226080"/>
-            <a:ext cx="9071640" cy="946440"/>
+            <a:ext cx="9072000" cy="946440"/>
           </a:xfrm>
           <a:prstGeom prst="rect">
             <a:avLst/>
@@ -2710,7 +2038,7 @@
       </p:sp>
       <p:sp>
         <p:nvSpPr>
-          <p:cNvPr id="79" name="PlaceHolder 2"/>
+          <p:cNvPr id="74" name="PlaceHolder 2"/>
           <p:cNvSpPr>
             <a:spLocks noGrp="1"/>
           </p:cNvSpPr>
@@ -2721,7 +2049,7 @@
         <p:spPr>
           <a:xfrm>
             <a:off x="504000" y="1326600"/>
-            <a:ext cx="2920680" cy="1568160"/>
+            <a:ext cx="2921040" cy="1568520"/>
           </a:xfrm>
           <a:prstGeom prst="rect">
             <a:avLst/>
@@ -2744,7 +2072,7 @@
       </p:sp>
       <p:sp>
         <p:nvSpPr>
-          <p:cNvPr id="80" name="PlaceHolder 3"/>
+          <p:cNvPr id="75" name="PlaceHolder 3"/>
           <p:cNvSpPr>
             <a:spLocks noGrp="1"/>
           </p:cNvSpPr>
@@ -2754,8 +2082,8 @@
         </p:nvSpPr>
         <p:spPr>
           <a:xfrm>
-            <a:off x="3571200" y="1326600"/>
-            <a:ext cx="2920680" cy="1568160"/>
+            <a:off x="3571560" y="1326600"/>
+            <a:ext cx="2921040" cy="1568520"/>
           </a:xfrm>
           <a:prstGeom prst="rect">
             <a:avLst/>
@@ -2778,7 +2106,7 @@
       </p:sp>
       <p:sp>
         <p:nvSpPr>
-          <p:cNvPr id="81" name="PlaceHolder 4"/>
+          <p:cNvPr id="76" name="PlaceHolder 4"/>
           <p:cNvSpPr>
             <a:spLocks noGrp="1"/>
           </p:cNvSpPr>
@@ -2788,8 +2116,8 @@
         </p:nvSpPr>
         <p:spPr>
           <a:xfrm>
-            <a:off x="6638040" y="1326600"/>
-            <a:ext cx="2920680" cy="1568160"/>
+            <a:off x="6639120" y="1326600"/>
+            <a:ext cx="2921040" cy="1568520"/>
           </a:xfrm>
           <a:prstGeom prst="rect">
             <a:avLst/>
@@ -2812,7 +2140,7 @@
       </p:sp>
       <p:sp>
         <p:nvSpPr>
-          <p:cNvPr id="82" name="PlaceHolder 5"/>
+          <p:cNvPr id="77" name="PlaceHolder 5"/>
           <p:cNvSpPr>
             <a:spLocks noGrp="1"/>
           </p:cNvSpPr>
@@ -2822,8 +2150,8 @@
         </p:nvSpPr>
         <p:spPr>
           <a:xfrm>
-            <a:off x="504000" y="3044160"/>
-            <a:ext cx="2920680" cy="1568160"/>
+            <a:off x="504000" y="3044520"/>
+            <a:ext cx="2921040" cy="1568520"/>
           </a:xfrm>
           <a:prstGeom prst="rect">
             <a:avLst/>
@@ -2846,7 +2174,7 @@
       </p:sp>
       <p:sp>
         <p:nvSpPr>
-          <p:cNvPr id="83" name="PlaceHolder 6"/>
+          <p:cNvPr id="78" name="PlaceHolder 6"/>
           <p:cNvSpPr>
             <a:spLocks noGrp="1"/>
           </p:cNvSpPr>
@@ -2856,8 +2184,8 @@
         </p:nvSpPr>
         <p:spPr>
           <a:xfrm>
-            <a:off x="3571200" y="3044160"/>
-            <a:ext cx="2920680" cy="1568160"/>
+            <a:off x="3571560" y="3044520"/>
+            <a:ext cx="2921040" cy="1568520"/>
           </a:xfrm>
           <a:prstGeom prst="rect">
             <a:avLst/>
@@ -2880,7 +2208,7 @@
       </p:sp>
       <p:sp>
         <p:nvSpPr>
-          <p:cNvPr id="84" name="PlaceHolder 7"/>
+          <p:cNvPr id="79" name="PlaceHolder 7"/>
           <p:cNvSpPr>
             <a:spLocks noGrp="1"/>
           </p:cNvSpPr>
@@ -2890,8 +2218,8 @@
         </p:nvSpPr>
         <p:spPr>
           <a:xfrm>
-            <a:off x="6638040" y="3044160"/>
-            <a:ext cx="2920680" cy="1568160"/>
+            <a:off x="6639120" y="3044520"/>
+            <a:ext cx="2921040" cy="1568520"/>
           </a:xfrm>
           <a:prstGeom prst="rect">
             <a:avLst/>
@@ -2907,464 +2235,6 @@
           </a:bodyPr>
           <a:p>
             <a:endParaRPr b="0" lang="en-IN" sz="3200" spc="-1" strike="noStrike">
-              <a:latin typeface="Arial"/>
-            </a:endParaRPr>
-          </a:p>
-        </p:txBody>
-      </p:sp>
-      <p:sp>
-        <p:nvSpPr>
-          <p:cNvPr id="9" name="PlaceHolder 8"/>
-          <p:cNvSpPr>
-            <a:spLocks noGrp="1"/>
-          </p:cNvSpPr>
-          <p:nvPr>
-            <p:ph type="ftr" idx="2"/>
-          </p:nvPr>
-        </p:nvSpPr>
-        <p:spPr/>
-        <p:txBody>
-          <a:bodyPr/>
-          <a:p>
-            <a:r>
-              <a:t>Footer</a:t>
-            </a:r>
-          </a:p>
-        </p:txBody>
-      </p:sp>
-      <p:sp>
-        <p:nvSpPr>
-          <p:cNvPr id="10" name="PlaceHolder 9"/>
-          <p:cNvSpPr>
-            <a:spLocks noGrp="1"/>
-          </p:cNvSpPr>
-          <p:nvPr>
-            <p:ph type="sldNum" idx="3"/>
-          </p:nvPr>
-        </p:nvSpPr>
-        <p:spPr/>
-        <p:txBody>
-          <a:bodyPr/>
-          <a:p>
-            <a:fld id="{2ED2869F-AEFA-4126-A8C1-6296F76B45BE}" type="slidenum">
-              <a:t>&lt;#&gt;</a:t>
-            </a:fld>
-          </a:p>
-        </p:txBody>
-      </p:sp>
-      <p:sp>
-        <p:nvSpPr>
-          <p:cNvPr id="11" name="PlaceHolder 10"/>
-          <p:cNvSpPr>
-            <a:spLocks noGrp="1"/>
-          </p:cNvSpPr>
-          <p:nvPr>
-            <p:ph type="dt" idx="1"/>
-          </p:nvPr>
-        </p:nvSpPr>
-        <p:spPr/>
-        <p:txBody>
-          <a:bodyPr/>
-          <a:p>
-            <a:r>
-              <a:rPr lang="en-IN"/>
-              <a:t/>
-            </a:r>
-          </a:p>
-        </p:txBody>
-      </p:sp>
-    </p:spTree>
-  </p:cSld>
-</p:sldLayout>
-</file>
-
-<file path=ppt/slideLayouts/slideLayout25.xml><?xml version="1.0" encoding="utf-8"?>
-<p:sldLayout xmlns:a="http://schemas.openxmlformats.org/drawingml/2006/main" xmlns:p="http://schemas.openxmlformats.org/presentationml/2006/main" xmlns:r="http://schemas.openxmlformats.org/officeDocument/2006/relationships" xmlns:p14="http://schemas.microsoft.com/office/powerpoint/2010/main" xmlns:p15="http://schemas.microsoft.com/office/powerpoint/2012/main" xmlns:mc="http://schemas.openxmlformats.org/markup-compatibility/2006" type="blank" preserve="1">
-  <p:cSld name="Blank Slide">
-    <p:spTree>
-      <p:nvGrpSpPr>
-        <p:cNvPr id="1" name=""/>
-        <p:cNvGrpSpPr/>
-        <p:nvPr/>
-      </p:nvGrpSpPr>
-      <p:grpSpPr>
-        <a:xfrm>
-          <a:off x="0" y="0"/>
-          <a:ext cx="0" cy="0"/>
-          <a:chOff x="0" y="0"/>
-          <a:chExt cx="0" cy="0"/>
-        </a:xfrm>
-      </p:grpSpPr>
-    </p:spTree>
-  </p:cSld>
-</p:sldLayout>
-</file>
-
-<file path=ppt/slideLayouts/slideLayout26.xml><?xml version="1.0" encoding="utf-8"?>
-<p:sldLayout xmlns:a="http://schemas.openxmlformats.org/drawingml/2006/main" xmlns:p="http://schemas.openxmlformats.org/presentationml/2006/main" xmlns:r="http://schemas.openxmlformats.org/officeDocument/2006/relationships" xmlns:p14="http://schemas.microsoft.com/office/powerpoint/2010/main" xmlns:p15="http://schemas.microsoft.com/office/powerpoint/2012/main" xmlns:mc="http://schemas.openxmlformats.org/markup-compatibility/2006" type="tx" preserve="1">
-  <p:cSld name="Title Slide">
-    <p:spTree>
-      <p:nvGrpSpPr>
-        <p:cNvPr id="1" name=""/>
-        <p:cNvGrpSpPr/>
-        <p:nvPr/>
-      </p:nvGrpSpPr>
-      <p:grpSpPr>
-        <a:xfrm>
-          <a:off x="0" y="0"/>
-          <a:ext cx="0" cy="0"/>
-          <a:chOff x="0" y="0"/>
-          <a:chExt cx="0" cy="0"/>
-        </a:xfrm>
-      </p:grpSpPr>
-      <p:sp>
-        <p:nvSpPr>
-          <p:cNvPr id="87" name="PlaceHolder 1"/>
-          <p:cNvSpPr>
-            <a:spLocks noGrp="1"/>
-          </p:cNvSpPr>
-          <p:nvPr>
-            <p:ph type="title"/>
-          </p:nvPr>
-        </p:nvSpPr>
-        <p:spPr>
-          <a:xfrm>
-            <a:off x="504000" y="226080"/>
-            <a:ext cx="9071640" cy="946440"/>
-          </a:xfrm>
-          <a:prstGeom prst="rect">
-            <a:avLst/>
-          </a:prstGeom>
-          <a:noFill/>
-          <a:ln w="0">
-            <a:noFill/>
-          </a:ln>
-        </p:spPr>
-        <p:txBody>
-          <a:bodyPr lIns="0" rIns="0" tIns="0" bIns="0" anchor="ctr">
-            <a:noAutofit/>
-          </a:bodyPr>
-          <a:p>
-            <a:pPr algn="ctr">
-              <a:buNone/>
-            </a:pPr>
-            <a:endParaRPr b="0" lang="en-IN" sz="4400" spc="-1" strike="noStrike">
-              <a:latin typeface="Arial"/>
-            </a:endParaRPr>
-          </a:p>
-        </p:txBody>
-      </p:sp>
-      <p:sp>
-        <p:nvSpPr>
-          <p:cNvPr id="88" name="PlaceHolder 2"/>
-          <p:cNvSpPr>
-            <a:spLocks noGrp="1"/>
-          </p:cNvSpPr>
-          <p:nvPr>
-            <p:ph type="subTitle"/>
-          </p:nvPr>
-        </p:nvSpPr>
-        <p:spPr>
-          <a:xfrm>
-            <a:off x="504000" y="1326600"/>
-            <a:ext cx="9071640" cy="3288240"/>
-          </a:xfrm>
-          <a:prstGeom prst="rect">
-            <a:avLst/>
-          </a:prstGeom>
-          <a:noFill/>
-          <a:ln w="0">
-            <a:noFill/>
-          </a:ln>
-        </p:spPr>
-        <p:txBody>
-          <a:bodyPr lIns="0" rIns="0" tIns="0" bIns="0" anchor="ctr">
-            <a:noAutofit/>
-          </a:bodyPr>
-          <a:p>
-            <a:pPr algn="ctr">
-              <a:buNone/>
-            </a:pPr>
-            <a:endParaRPr b="0" lang="en-IN" sz="3200" spc="-1" strike="noStrike">
-              <a:latin typeface="Arial"/>
-            </a:endParaRPr>
-          </a:p>
-        </p:txBody>
-      </p:sp>
-    </p:spTree>
-  </p:cSld>
-</p:sldLayout>
-</file>
-
-<file path=ppt/slideLayouts/slideLayout27.xml><?xml version="1.0" encoding="utf-8"?>
-<p:sldLayout xmlns:a="http://schemas.openxmlformats.org/drawingml/2006/main" xmlns:p="http://schemas.openxmlformats.org/presentationml/2006/main" xmlns:r="http://schemas.openxmlformats.org/officeDocument/2006/relationships" xmlns:p14="http://schemas.microsoft.com/office/powerpoint/2010/main" xmlns:p15="http://schemas.microsoft.com/office/powerpoint/2012/main" xmlns:mc="http://schemas.openxmlformats.org/markup-compatibility/2006" type="obj" preserve="1">
-  <p:cSld name="Title, Content">
-    <p:spTree>
-      <p:nvGrpSpPr>
-        <p:cNvPr id="1" name=""/>
-        <p:cNvGrpSpPr/>
-        <p:nvPr/>
-      </p:nvGrpSpPr>
-      <p:grpSpPr>
-        <a:xfrm>
-          <a:off x="0" y="0"/>
-          <a:ext cx="0" cy="0"/>
-          <a:chOff x="0" y="0"/>
-          <a:chExt cx="0" cy="0"/>
-        </a:xfrm>
-      </p:grpSpPr>
-      <p:sp>
-        <p:nvSpPr>
-          <p:cNvPr id="89" name="PlaceHolder 1"/>
-          <p:cNvSpPr>
-            <a:spLocks noGrp="1"/>
-          </p:cNvSpPr>
-          <p:nvPr>
-            <p:ph type="title"/>
-          </p:nvPr>
-        </p:nvSpPr>
-        <p:spPr>
-          <a:xfrm>
-            <a:off x="504000" y="226080"/>
-            <a:ext cx="9071640" cy="946440"/>
-          </a:xfrm>
-          <a:prstGeom prst="rect">
-            <a:avLst/>
-          </a:prstGeom>
-          <a:noFill/>
-          <a:ln w="0">
-            <a:noFill/>
-          </a:ln>
-        </p:spPr>
-        <p:txBody>
-          <a:bodyPr lIns="0" rIns="0" tIns="0" bIns="0" anchor="ctr">
-            <a:noAutofit/>
-          </a:bodyPr>
-          <a:p>
-            <a:pPr algn="ctr">
-              <a:buNone/>
-            </a:pPr>
-            <a:endParaRPr b="0" lang="en-IN" sz="4400" spc="-1" strike="noStrike">
-              <a:latin typeface="Arial"/>
-            </a:endParaRPr>
-          </a:p>
-        </p:txBody>
-      </p:sp>
-      <p:sp>
-        <p:nvSpPr>
-          <p:cNvPr id="90" name="PlaceHolder 2"/>
-          <p:cNvSpPr>
-            <a:spLocks noGrp="1"/>
-          </p:cNvSpPr>
-          <p:nvPr>
-            <p:ph/>
-          </p:nvPr>
-        </p:nvSpPr>
-        <p:spPr>
-          <a:xfrm>
-            <a:off x="504000" y="1326600"/>
-            <a:ext cx="9071640" cy="3288240"/>
-          </a:xfrm>
-          <a:prstGeom prst="rect">
-            <a:avLst/>
-          </a:prstGeom>
-          <a:noFill/>
-          <a:ln w="0">
-            <a:noFill/>
-          </a:ln>
-        </p:spPr>
-        <p:txBody>
-          <a:bodyPr lIns="0" rIns="0" tIns="0" bIns="0" anchor="t">
-            <a:normAutofit/>
-          </a:bodyPr>
-          <a:p>
-            <a:endParaRPr b="0" lang="en-IN" sz="3200" spc="-1" strike="noStrike">
-              <a:latin typeface="Arial"/>
-            </a:endParaRPr>
-          </a:p>
-        </p:txBody>
-      </p:sp>
-    </p:spTree>
-  </p:cSld>
-</p:sldLayout>
-</file>
-
-<file path=ppt/slideLayouts/slideLayout28.xml><?xml version="1.0" encoding="utf-8"?>
-<p:sldLayout xmlns:a="http://schemas.openxmlformats.org/drawingml/2006/main" xmlns:p="http://schemas.openxmlformats.org/presentationml/2006/main" xmlns:r="http://schemas.openxmlformats.org/officeDocument/2006/relationships" xmlns:p14="http://schemas.microsoft.com/office/powerpoint/2010/main" xmlns:p15="http://schemas.microsoft.com/office/powerpoint/2012/main" xmlns:mc="http://schemas.openxmlformats.org/markup-compatibility/2006" type="twoObj" preserve="1">
-  <p:cSld name="Title, 2 Content">
-    <p:spTree>
-      <p:nvGrpSpPr>
-        <p:cNvPr id="1" name=""/>
-        <p:cNvGrpSpPr/>
-        <p:nvPr/>
-      </p:nvGrpSpPr>
-      <p:grpSpPr>
-        <a:xfrm>
-          <a:off x="0" y="0"/>
-          <a:ext cx="0" cy="0"/>
-          <a:chOff x="0" y="0"/>
-          <a:chExt cx="0" cy="0"/>
-        </a:xfrm>
-      </p:grpSpPr>
-      <p:sp>
-        <p:nvSpPr>
-          <p:cNvPr id="91" name="PlaceHolder 1"/>
-          <p:cNvSpPr>
-            <a:spLocks noGrp="1"/>
-          </p:cNvSpPr>
-          <p:nvPr>
-            <p:ph type="title"/>
-          </p:nvPr>
-        </p:nvSpPr>
-        <p:spPr>
-          <a:xfrm>
-            <a:off x="504000" y="226080"/>
-            <a:ext cx="9071640" cy="946440"/>
-          </a:xfrm>
-          <a:prstGeom prst="rect">
-            <a:avLst/>
-          </a:prstGeom>
-          <a:noFill/>
-          <a:ln w="0">
-            <a:noFill/>
-          </a:ln>
-        </p:spPr>
-        <p:txBody>
-          <a:bodyPr lIns="0" rIns="0" tIns="0" bIns="0" anchor="ctr">
-            <a:noAutofit/>
-          </a:bodyPr>
-          <a:p>
-            <a:pPr algn="ctr">
-              <a:buNone/>
-            </a:pPr>
-            <a:endParaRPr b="0" lang="en-IN" sz="4400" spc="-1" strike="noStrike">
-              <a:latin typeface="Arial"/>
-            </a:endParaRPr>
-          </a:p>
-        </p:txBody>
-      </p:sp>
-      <p:sp>
-        <p:nvSpPr>
-          <p:cNvPr id="92" name="PlaceHolder 2"/>
-          <p:cNvSpPr>
-            <a:spLocks noGrp="1"/>
-          </p:cNvSpPr>
-          <p:nvPr>
-            <p:ph/>
-          </p:nvPr>
-        </p:nvSpPr>
-        <p:spPr>
-          <a:xfrm>
-            <a:off x="504000" y="1326600"/>
-            <a:ext cx="4426920" cy="3288240"/>
-          </a:xfrm>
-          <a:prstGeom prst="rect">
-            <a:avLst/>
-          </a:prstGeom>
-          <a:noFill/>
-          <a:ln w="0">
-            <a:noFill/>
-          </a:ln>
-        </p:spPr>
-        <p:txBody>
-          <a:bodyPr lIns="0" rIns="0" tIns="0" bIns="0" anchor="t">
-            <a:normAutofit/>
-          </a:bodyPr>
-          <a:p>
-            <a:endParaRPr b="0" lang="en-IN" sz="3200" spc="-1" strike="noStrike">
-              <a:latin typeface="Arial"/>
-            </a:endParaRPr>
-          </a:p>
-        </p:txBody>
-      </p:sp>
-      <p:sp>
-        <p:nvSpPr>
-          <p:cNvPr id="93" name="PlaceHolder 3"/>
-          <p:cNvSpPr>
-            <a:spLocks noGrp="1"/>
-          </p:cNvSpPr>
-          <p:nvPr>
-            <p:ph/>
-          </p:nvPr>
-        </p:nvSpPr>
-        <p:spPr>
-          <a:xfrm>
-            <a:off x="5152680" y="1326600"/>
-            <a:ext cx="4426920" cy="3288240"/>
-          </a:xfrm>
-          <a:prstGeom prst="rect">
-            <a:avLst/>
-          </a:prstGeom>
-          <a:noFill/>
-          <a:ln w="0">
-            <a:noFill/>
-          </a:ln>
-        </p:spPr>
-        <p:txBody>
-          <a:bodyPr lIns="0" rIns="0" tIns="0" bIns="0" anchor="t">
-            <a:normAutofit/>
-          </a:bodyPr>
-          <a:p>
-            <a:endParaRPr b="0" lang="en-IN" sz="3200" spc="-1" strike="noStrike">
-              <a:latin typeface="Arial"/>
-            </a:endParaRPr>
-          </a:p>
-        </p:txBody>
-      </p:sp>
-    </p:spTree>
-  </p:cSld>
-</p:sldLayout>
-</file>
-
-<file path=ppt/slideLayouts/slideLayout29.xml><?xml version="1.0" encoding="utf-8"?>
-<p:sldLayout xmlns:a="http://schemas.openxmlformats.org/drawingml/2006/main" xmlns:p="http://schemas.openxmlformats.org/presentationml/2006/main" xmlns:r="http://schemas.openxmlformats.org/officeDocument/2006/relationships" xmlns:p14="http://schemas.microsoft.com/office/powerpoint/2010/main" xmlns:p15="http://schemas.microsoft.com/office/powerpoint/2012/main" xmlns:mc="http://schemas.openxmlformats.org/markup-compatibility/2006" type="titleOnly" preserve="1">
-  <p:cSld name="Title Only">
-    <p:spTree>
-      <p:nvGrpSpPr>
-        <p:cNvPr id="1" name=""/>
-        <p:cNvGrpSpPr/>
-        <p:nvPr/>
-      </p:nvGrpSpPr>
-      <p:grpSpPr>
-        <a:xfrm>
-          <a:off x="0" y="0"/>
-          <a:ext cx="0" cy="0"/>
-          <a:chOff x="0" y="0"/>
-          <a:chExt cx="0" cy="0"/>
-        </a:xfrm>
-      </p:grpSpPr>
-      <p:sp>
-        <p:nvSpPr>
-          <p:cNvPr id="94" name="PlaceHolder 1"/>
-          <p:cNvSpPr>
-            <a:spLocks noGrp="1"/>
-          </p:cNvSpPr>
-          <p:nvPr>
-            <p:ph type="title"/>
-          </p:nvPr>
-        </p:nvSpPr>
-        <p:spPr>
-          <a:xfrm>
-            <a:off x="504000" y="226080"/>
-            <a:ext cx="9071640" cy="946440"/>
-          </a:xfrm>
-          <a:prstGeom prst="rect">
-            <a:avLst/>
-          </a:prstGeom>
-          <a:noFill/>
-          <a:ln w="0">
-            <a:noFill/>
-          </a:ln>
-        </p:spPr>
-        <p:txBody>
-          <a:bodyPr lIns="0" rIns="0" tIns="0" bIns="0" anchor="ctr">
-            <a:noAutofit/>
-          </a:bodyPr>
-          <a:p>
-            <a:pPr algn="ctr">
-              <a:buNone/>
-            </a:pPr>
-            <a:endParaRPr b="0" lang="en-IN" sz="4400" spc="-1" strike="noStrike">
               <a:latin typeface="Arial"/>
             </a:endParaRPr>
           </a:p>
@@ -3405,7 +2275,7 @@
         <p:spPr>
           <a:xfrm>
             <a:off x="504000" y="226080"/>
-            <a:ext cx="9071640" cy="946440"/>
+            <a:ext cx="9072000" cy="946440"/>
           </a:xfrm>
           <a:prstGeom prst="rect">
             <a:avLst/>
@@ -3442,1134 +2312,7 @@
         <p:spPr>
           <a:xfrm>
             <a:off x="504000" y="1326600"/>
-            <a:ext cx="9071640" cy="3288240"/>
-          </a:xfrm>
-          <a:prstGeom prst="rect">
-            <a:avLst/>
-          </a:prstGeom>
-          <a:noFill/>
-          <a:ln w="0">
-            <a:noFill/>
-          </a:ln>
-        </p:spPr>
-        <p:txBody>
-          <a:bodyPr lIns="0" rIns="0" tIns="0" bIns="0" anchor="t">
-            <a:normAutofit/>
-          </a:bodyPr>
-          <a:p>
-            <a:endParaRPr b="0" lang="en-IN" sz="3200" spc="-1" strike="noStrike">
-              <a:latin typeface="Arial"/>
-            </a:endParaRPr>
-          </a:p>
-        </p:txBody>
-      </p:sp>
-    </p:spTree>
-  </p:cSld>
-</p:sldLayout>
-</file>
-
-<file path=ppt/slideLayouts/slideLayout30.xml><?xml version="1.0" encoding="utf-8"?>
-<p:sldLayout xmlns:a="http://schemas.openxmlformats.org/drawingml/2006/main" xmlns:p="http://schemas.openxmlformats.org/presentationml/2006/main" xmlns:r="http://schemas.openxmlformats.org/officeDocument/2006/relationships" xmlns:p14="http://schemas.microsoft.com/office/powerpoint/2010/main" xmlns:p15="http://schemas.microsoft.com/office/powerpoint/2012/main" xmlns:mc="http://schemas.openxmlformats.org/markup-compatibility/2006" type="objOnly" preserve="1">
-  <p:cSld name="Centered Text">
-    <p:spTree>
-      <p:nvGrpSpPr>
-        <p:cNvPr id="1" name=""/>
-        <p:cNvGrpSpPr/>
-        <p:nvPr/>
-      </p:nvGrpSpPr>
-      <p:grpSpPr>
-        <a:xfrm>
-          <a:off x="0" y="0"/>
-          <a:ext cx="0" cy="0"/>
-          <a:chOff x="0" y="0"/>
-          <a:chExt cx="0" cy="0"/>
-        </a:xfrm>
-      </p:grpSpPr>
-      <p:sp>
-        <p:nvSpPr>
-          <p:cNvPr id="95" name="PlaceHolder 1"/>
-          <p:cNvSpPr>
-            <a:spLocks noGrp="1"/>
-          </p:cNvSpPr>
-          <p:nvPr>
-            <p:ph type="subTitle"/>
-          </p:nvPr>
-        </p:nvSpPr>
-        <p:spPr>
-          <a:xfrm>
-            <a:off x="504000" y="226080"/>
-            <a:ext cx="9071640" cy="4388400"/>
-          </a:xfrm>
-          <a:prstGeom prst="rect">
-            <a:avLst/>
-          </a:prstGeom>
-          <a:noFill/>
-          <a:ln w="0">
-            <a:noFill/>
-          </a:ln>
-        </p:spPr>
-        <p:txBody>
-          <a:bodyPr lIns="0" rIns="0" tIns="0" bIns="0" anchor="ctr">
-            <a:noAutofit/>
-          </a:bodyPr>
-          <a:p>
-            <a:pPr algn="ctr">
-              <a:buNone/>
-            </a:pPr>
-            <a:endParaRPr b="0" lang="en-IN" sz="3200" spc="-1" strike="noStrike">
-              <a:latin typeface="Arial"/>
-            </a:endParaRPr>
-          </a:p>
-        </p:txBody>
-      </p:sp>
-    </p:spTree>
-  </p:cSld>
-</p:sldLayout>
-</file>
-
-<file path=ppt/slideLayouts/slideLayout31.xml><?xml version="1.0" encoding="utf-8"?>
-<p:sldLayout xmlns:a="http://schemas.openxmlformats.org/drawingml/2006/main" xmlns:p="http://schemas.openxmlformats.org/presentationml/2006/main" xmlns:r="http://schemas.openxmlformats.org/officeDocument/2006/relationships" xmlns:p14="http://schemas.microsoft.com/office/powerpoint/2010/main" xmlns:p15="http://schemas.microsoft.com/office/powerpoint/2012/main" xmlns:mc="http://schemas.openxmlformats.org/markup-compatibility/2006" type="twoObjAndObj" preserve="1">
-  <p:cSld name="Title, 2 Content and Content">
-    <p:spTree>
-      <p:nvGrpSpPr>
-        <p:cNvPr id="1" name=""/>
-        <p:cNvGrpSpPr/>
-        <p:nvPr/>
-      </p:nvGrpSpPr>
-      <p:grpSpPr>
-        <a:xfrm>
-          <a:off x="0" y="0"/>
-          <a:ext cx="0" cy="0"/>
-          <a:chOff x="0" y="0"/>
-          <a:chExt cx="0" cy="0"/>
-        </a:xfrm>
-      </p:grpSpPr>
-      <p:sp>
-        <p:nvSpPr>
-          <p:cNvPr id="96" name="PlaceHolder 1"/>
-          <p:cNvSpPr>
-            <a:spLocks noGrp="1"/>
-          </p:cNvSpPr>
-          <p:nvPr>
-            <p:ph type="title"/>
-          </p:nvPr>
-        </p:nvSpPr>
-        <p:spPr>
-          <a:xfrm>
-            <a:off x="504000" y="226080"/>
-            <a:ext cx="9071640" cy="946440"/>
-          </a:xfrm>
-          <a:prstGeom prst="rect">
-            <a:avLst/>
-          </a:prstGeom>
-          <a:noFill/>
-          <a:ln w="0">
-            <a:noFill/>
-          </a:ln>
-        </p:spPr>
-        <p:txBody>
-          <a:bodyPr lIns="0" rIns="0" tIns="0" bIns="0" anchor="ctr">
-            <a:noAutofit/>
-          </a:bodyPr>
-          <a:p>
-            <a:pPr algn="ctr">
-              <a:buNone/>
-            </a:pPr>
-            <a:endParaRPr b="0" lang="en-IN" sz="4400" spc="-1" strike="noStrike">
-              <a:latin typeface="Arial"/>
-            </a:endParaRPr>
-          </a:p>
-        </p:txBody>
-      </p:sp>
-      <p:sp>
-        <p:nvSpPr>
-          <p:cNvPr id="97" name="PlaceHolder 2"/>
-          <p:cNvSpPr>
-            <a:spLocks noGrp="1"/>
-          </p:cNvSpPr>
-          <p:nvPr>
-            <p:ph/>
-          </p:nvPr>
-        </p:nvSpPr>
-        <p:spPr>
-          <a:xfrm>
-            <a:off x="504000" y="1326600"/>
-            <a:ext cx="4426920" cy="1568160"/>
-          </a:xfrm>
-          <a:prstGeom prst="rect">
-            <a:avLst/>
-          </a:prstGeom>
-          <a:noFill/>
-          <a:ln w="0">
-            <a:noFill/>
-          </a:ln>
-        </p:spPr>
-        <p:txBody>
-          <a:bodyPr lIns="0" rIns="0" tIns="0" bIns="0" anchor="t">
-            <a:normAutofit/>
-          </a:bodyPr>
-          <a:p>
-            <a:endParaRPr b="0" lang="en-IN" sz="3200" spc="-1" strike="noStrike">
-              <a:latin typeface="Arial"/>
-            </a:endParaRPr>
-          </a:p>
-        </p:txBody>
-      </p:sp>
-      <p:sp>
-        <p:nvSpPr>
-          <p:cNvPr id="98" name="PlaceHolder 3"/>
-          <p:cNvSpPr>
-            <a:spLocks noGrp="1"/>
-          </p:cNvSpPr>
-          <p:nvPr>
-            <p:ph/>
-          </p:nvPr>
-        </p:nvSpPr>
-        <p:spPr>
-          <a:xfrm>
-            <a:off x="5152680" y="1326600"/>
-            <a:ext cx="4426920" cy="3288240"/>
-          </a:xfrm>
-          <a:prstGeom prst="rect">
-            <a:avLst/>
-          </a:prstGeom>
-          <a:noFill/>
-          <a:ln w="0">
-            <a:noFill/>
-          </a:ln>
-        </p:spPr>
-        <p:txBody>
-          <a:bodyPr lIns="0" rIns="0" tIns="0" bIns="0" anchor="t">
-            <a:normAutofit/>
-          </a:bodyPr>
-          <a:p>
-            <a:endParaRPr b="0" lang="en-IN" sz="3200" spc="-1" strike="noStrike">
-              <a:latin typeface="Arial"/>
-            </a:endParaRPr>
-          </a:p>
-        </p:txBody>
-      </p:sp>
-      <p:sp>
-        <p:nvSpPr>
-          <p:cNvPr id="99" name="PlaceHolder 4"/>
-          <p:cNvSpPr>
-            <a:spLocks noGrp="1"/>
-          </p:cNvSpPr>
-          <p:nvPr>
-            <p:ph/>
-          </p:nvPr>
-        </p:nvSpPr>
-        <p:spPr>
-          <a:xfrm>
-            <a:off x="504000" y="3044160"/>
-            <a:ext cx="4426920" cy="1568160"/>
-          </a:xfrm>
-          <a:prstGeom prst="rect">
-            <a:avLst/>
-          </a:prstGeom>
-          <a:noFill/>
-          <a:ln w="0">
-            <a:noFill/>
-          </a:ln>
-        </p:spPr>
-        <p:txBody>
-          <a:bodyPr lIns="0" rIns="0" tIns="0" bIns="0" anchor="t">
-            <a:normAutofit/>
-          </a:bodyPr>
-          <a:p>
-            <a:endParaRPr b="0" lang="en-IN" sz="3200" spc="-1" strike="noStrike">
-              <a:latin typeface="Arial"/>
-            </a:endParaRPr>
-          </a:p>
-        </p:txBody>
-      </p:sp>
-    </p:spTree>
-  </p:cSld>
-</p:sldLayout>
-</file>
-
-<file path=ppt/slideLayouts/slideLayout32.xml><?xml version="1.0" encoding="utf-8"?>
-<p:sldLayout xmlns:a="http://schemas.openxmlformats.org/drawingml/2006/main" xmlns:p="http://schemas.openxmlformats.org/presentationml/2006/main" xmlns:r="http://schemas.openxmlformats.org/officeDocument/2006/relationships" xmlns:p14="http://schemas.microsoft.com/office/powerpoint/2010/main" xmlns:p15="http://schemas.microsoft.com/office/powerpoint/2012/main" xmlns:mc="http://schemas.openxmlformats.org/markup-compatibility/2006" type="objAndTwoObj" preserve="1">
-  <p:cSld name="Title Content and 2 Content">
-    <p:spTree>
-      <p:nvGrpSpPr>
-        <p:cNvPr id="1" name=""/>
-        <p:cNvGrpSpPr/>
-        <p:nvPr/>
-      </p:nvGrpSpPr>
-      <p:grpSpPr>
-        <a:xfrm>
-          <a:off x="0" y="0"/>
-          <a:ext cx="0" cy="0"/>
-          <a:chOff x="0" y="0"/>
-          <a:chExt cx="0" cy="0"/>
-        </a:xfrm>
-      </p:grpSpPr>
-      <p:sp>
-        <p:nvSpPr>
-          <p:cNvPr id="100" name="PlaceHolder 1"/>
-          <p:cNvSpPr>
-            <a:spLocks noGrp="1"/>
-          </p:cNvSpPr>
-          <p:nvPr>
-            <p:ph type="title"/>
-          </p:nvPr>
-        </p:nvSpPr>
-        <p:spPr>
-          <a:xfrm>
-            <a:off x="504000" y="226080"/>
-            <a:ext cx="9071640" cy="946440"/>
-          </a:xfrm>
-          <a:prstGeom prst="rect">
-            <a:avLst/>
-          </a:prstGeom>
-          <a:noFill/>
-          <a:ln w="0">
-            <a:noFill/>
-          </a:ln>
-        </p:spPr>
-        <p:txBody>
-          <a:bodyPr lIns="0" rIns="0" tIns="0" bIns="0" anchor="ctr">
-            <a:noAutofit/>
-          </a:bodyPr>
-          <a:p>
-            <a:pPr algn="ctr">
-              <a:buNone/>
-            </a:pPr>
-            <a:endParaRPr b="0" lang="en-IN" sz="4400" spc="-1" strike="noStrike">
-              <a:latin typeface="Arial"/>
-            </a:endParaRPr>
-          </a:p>
-        </p:txBody>
-      </p:sp>
-      <p:sp>
-        <p:nvSpPr>
-          <p:cNvPr id="101" name="PlaceHolder 2"/>
-          <p:cNvSpPr>
-            <a:spLocks noGrp="1"/>
-          </p:cNvSpPr>
-          <p:nvPr>
-            <p:ph/>
-          </p:nvPr>
-        </p:nvSpPr>
-        <p:spPr>
-          <a:xfrm>
-            <a:off x="504000" y="1326600"/>
-            <a:ext cx="4426920" cy="3288240"/>
-          </a:xfrm>
-          <a:prstGeom prst="rect">
-            <a:avLst/>
-          </a:prstGeom>
-          <a:noFill/>
-          <a:ln w="0">
-            <a:noFill/>
-          </a:ln>
-        </p:spPr>
-        <p:txBody>
-          <a:bodyPr lIns="0" rIns="0" tIns="0" bIns="0" anchor="t">
-            <a:normAutofit/>
-          </a:bodyPr>
-          <a:p>
-            <a:endParaRPr b="0" lang="en-IN" sz="3200" spc="-1" strike="noStrike">
-              <a:latin typeface="Arial"/>
-            </a:endParaRPr>
-          </a:p>
-        </p:txBody>
-      </p:sp>
-      <p:sp>
-        <p:nvSpPr>
-          <p:cNvPr id="102" name="PlaceHolder 3"/>
-          <p:cNvSpPr>
-            <a:spLocks noGrp="1"/>
-          </p:cNvSpPr>
-          <p:nvPr>
-            <p:ph/>
-          </p:nvPr>
-        </p:nvSpPr>
-        <p:spPr>
-          <a:xfrm>
-            <a:off x="5152680" y="1326600"/>
-            <a:ext cx="4426920" cy="1568160"/>
-          </a:xfrm>
-          <a:prstGeom prst="rect">
-            <a:avLst/>
-          </a:prstGeom>
-          <a:noFill/>
-          <a:ln w="0">
-            <a:noFill/>
-          </a:ln>
-        </p:spPr>
-        <p:txBody>
-          <a:bodyPr lIns="0" rIns="0" tIns="0" bIns="0" anchor="t">
-            <a:normAutofit/>
-          </a:bodyPr>
-          <a:p>
-            <a:endParaRPr b="0" lang="en-IN" sz="3200" spc="-1" strike="noStrike">
-              <a:latin typeface="Arial"/>
-            </a:endParaRPr>
-          </a:p>
-        </p:txBody>
-      </p:sp>
-      <p:sp>
-        <p:nvSpPr>
-          <p:cNvPr id="103" name="PlaceHolder 4"/>
-          <p:cNvSpPr>
-            <a:spLocks noGrp="1"/>
-          </p:cNvSpPr>
-          <p:nvPr>
-            <p:ph/>
-          </p:nvPr>
-        </p:nvSpPr>
-        <p:spPr>
-          <a:xfrm>
-            <a:off x="5152680" y="3044160"/>
-            <a:ext cx="4426920" cy="1568160"/>
-          </a:xfrm>
-          <a:prstGeom prst="rect">
-            <a:avLst/>
-          </a:prstGeom>
-          <a:noFill/>
-          <a:ln w="0">
-            <a:noFill/>
-          </a:ln>
-        </p:spPr>
-        <p:txBody>
-          <a:bodyPr lIns="0" rIns="0" tIns="0" bIns="0" anchor="t">
-            <a:normAutofit/>
-          </a:bodyPr>
-          <a:p>
-            <a:endParaRPr b="0" lang="en-IN" sz="3200" spc="-1" strike="noStrike">
-              <a:latin typeface="Arial"/>
-            </a:endParaRPr>
-          </a:p>
-        </p:txBody>
-      </p:sp>
-    </p:spTree>
-  </p:cSld>
-</p:sldLayout>
-</file>
-
-<file path=ppt/slideLayouts/slideLayout33.xml><?xml version="1.0" encoding="utf-8"?>
-<p:sldLayout xmlns:a="http://schemas.openxmlformats.org/drawingml/2006/main" xmlns:p="http://schemas.openxmlformats.org/presentationml/2006/main" xmlns:r="http://schemas.openxmlformats.org/officeDocument/2006/relationships" xmlns:p14="http://schemas.microsoft.com/office/powerpoint/2010/main" xmlns:p15="http://schemas.microsoft.com/office/powerpoint/2012/main" xmlns:mc="http://schemas.openxmlformats.org/markup-compatibility/2006" type="twoObjOverTx" preserve="1">
-  <p:cSld name="Title, 2 Content over Content">
-    <p:spTree>
-      <p:nvGrpSpPr>
-        <p:cNvPr id="1" name=""/>
-        <p:cNvGrpSpPr/>
-        <p:nvPr/>
-      </p:nvGrpSpPr>
-      <p:grpSpPr>
-        <a:xfrm>
-          <a:off x="0" y="0"/>
-          <a:ext cx="0" cy="0"/>
-          <a:chOff x="0" y="0"/>
-          <a:chExt cx="0" cy="0"/>
-        </a:xfrm>
-      </p:grpSpPr>
-      <p:sp>
-        <p:nvSpPr>
-          <p:cNvPr id="104" name="PlaceHolder 1"/>
-          <p:cNvSpPr>
-            <a:spLocks noGrp="1"/>
-          </p:cNvSpPr>
-          <p:nvPr>
-            <p:ph type="title"/>
-          </p:nvPr>
-        </p:nvSpPr>
-        <p:spPr>
-          <a:xfrm>
-            <a:off x="504000" y="226080"/>
-            <a:ext cx="9071640" cy="946440"/>
-          </a:xfrm>
-          <a:prstGeom prst="rect">
-            <a:avLst/>
-          </a:prstGeom>
-          <a:noFill/>
-          <a:ln w="0">
-            <a:noFill/>
-          </a:ln>
-        </p:spPr>
-        <p:txBody>
-          <a:bodyPr lIns="0" rIns="0" tIns="0" bIns="0" anchor="ctr">
-            <a:noAutofit/>
-          </a:bodyPr>
-          <a:p>
-            <a:pPr algn="ctr">
-              <a:buNone/>
-            </a:pPr>
-            <a:endParaRPr b="0" lang="en-IN" sz="4400" spc="-1" strike="noStrike">
-              <a:latin typeface="Arial"/>
-            </a:endParaRPr>
-          </a:p>
-        </p:txBody>
-      </p:sp>
-      <p:sp>
-        <p:nvSpPr>
-          <p:cNvPr id="105" name="PlaceHolder 2"/>
-          <p:cNvSpPr>
-            <a:spLocks noGrp="1"/>
-          </p:cNvSpPr>
-          <p:nvPr>
-            <p:ph/>
-          </p:nvPr>
-        </p:nvSpPr>
-        <p:spPr>
-          <a:xfrm>
-            <a:off x="504000" y="1326600"/>
-            <a:ext cx="4426920" cy="1568160"/>
-          </a:xfrm>
-          <a:prstGeom prst="rect">
-            <a:avLst/>
-          </a:prstGeom>
-          <a:noFill/>
-          <a:ln w="0">
-            <a:noFill/>
-          </a:ln>
-        </p:spPr>
-        <p:txBody>
-          <a:bodyPr lIns="0" rIns="0" tIns="0" bIns="0" anchor="t">
-            <a:normAutofit/>
-          </a:bodyPr>
-          <a:p>
-            <a:endParaRPr b="0" lang="en-IN" sz="3200" spc="-1" strike="noStrike">
-              <a:latin typeface="Arial"/>
-            </a:endParaRPr>
-          </a:p>
-        </p:txBody>
-      </p:sp>
-      <p:sp>
-        <p:nvSpPr>
-          <p:cNvPr id="106" name="PlaceHolder 3"/>
-          <p:cNvSpPr>
-            <a:spLocks noGrp="1"/>
-          </p:cNvSpPr>
-          <p:nvPr>
-            <p:ph/>
-          </p:nvPr>
-        </p:nvSpPr>
-        <p:spPr>
-          <a:xfrm>
-            <a:off x="5152680" y="1326600"/>
-            <a:ext cx="4426920" cy="1568160"/>
-          </a:xfrm>
-          <a:prstGeom prst="rect">
-            <a:avLst/>
-          </a:prstGeom>
-          <a:noFill/>
-          <a:ln w="0">
-            <a:noFill/>
-          </a:ln>
-        </p:spPr>
-        <p:txBody>
-          <a:bodyPr lIns="0" rIns="0" tIns="0" bIns="0" anchor="t">
-            <a:normAutofit/>
-          </a:bodyPr>
-          <a:p>
-            <a:endParaRPr b="0" lang="en-IN" sz="3200" spc="-1" strike="noStrike">
-              <a:latin typeface="Arial"/>
-            </a:endParaRPr>
-          </a:p>
-        </p:txBody>
-      </p:sp>
-      <p:sp>
-        <p:nvSpPr>
-          <p:cNvPr id="107" name="PlaceHolder 4"/>
-          <p:cNvSpPr>
-            <a:spLocks noGrp="1"/>
-          </p:cNvSpPr>
-          <p:nvPr>
-            <p:ph/>
-          </p:nvPr>
-        </p:nvSpPr>
-        <p:spPr>
-          <a:xfrm>
-            <a:off x="504000" y="3044160"/>
-            <a:ext cx="9071640" cy="1568160"/>
-          </a:xfrm>
-          <a:prstGeom prst="rect">
-            <a:avLst/>
-          </a:prstGeom>
-          <a:noFill/>
-          <a:ln w="0">
-            <a:noFill/>
-          </a:ln>
-        </p:spPr>
-        <p:txBody>
-          <a:bodyPr lIns="0" rIns="0" tIns="0" bIns="0" anchor="t">
-            <a:normAutofit/>
-          </a:bodyPr>
-          <a:p>
-            <a:endParaRPr b="0" lang="en-IN" sz="3200" spc="-1" strike="noStrike">
-              <a:latin typeface="Arial"/>
-            </a:endParaRPr>
-          </a:p>
-        </p:txBody>
-      </p:sp>
-    </p:spTree>
-  </p:cSld>
-</p:sldLayout>
-</file>
-
-<file path=ppt/slideLayouts/slideLayout34.xml><?xml version="1.0" encoding="utf-8"?>
-<p:sldLayout xmlns:a="http://schemas.openxmlformats.org/drawingml/2006/main" xmlns:p="http://schemas.openxmlformats.org/presentationml/2006/main" xmlns:r="http://schemas.openxmlformats.org/officeDocument/2006/relationships" xmlns:p14="http://schemas.microsoft.com/office/powerpoint/2010/main" xmlns:p15="http://schemas.microsoft.com/office/powerpoint/2012/main" xmlns:mc="http://schemas.openxmlformats.org/markup-compatibility/2006" type="objOverTx" preserve="1">
-  <p:cSld name="Title, Content over Content">
-    <p:spTree>
-      <p:nvGrpSpPr>
-        <p:cNvPr id="1" name=""/>
-        <p:cNvGrpSpPr/>
-        <p:nvPr/>
-      </p:nvGrpSpPr>
-      <p:grpSpPr>
-        <a:xfrm>
-          <a:off x="0" y="0"/>
-          <a:ext cx="0" cy="0"/>
-          <a:chOff x="0" y="0"/>
-          <a:chExt cx="0" cy="0"/>
-        </a:xfrm>
-      </p:grpSpPr>
-      <p:sp>
-        <p:nvSpPr>
-          <p:cNvPr id="108" name="PlaceHolder 1"/>
-          <p:cNvSpPr>
-            <a:spLocks noGrp="1"/>
-          </p:cNvSpPr>
-          <p:nvPr>
-            <p:ph type="title"/>
-          </p:nvPr>
-        </p:nvSpPr>
-        <p:spPr>
-          <a:xfrm>
-            <a:off x="504000" y="226080"/>
-            <a:ext cx="9071640" cy="946440"/>
-          </a:xfrm>
-          <a:prstGeom prst="rect">
-            <a:avLst/>
-          </a:prstGeom>
-          <a:noFill/>
-          <a:ln w="0">
-            <a:noFill/>
-          </a:ln>
-        </p:spPr>
-        <p:txBody>
-          <a:bodyPr lIns="0" rIns="0" tIns="0" bIns="0" anchor="ctr">
-            <a:noAutofit/>
-          </a:bodyPr>
-          <a:p>
-            <a:pPr algn="ctr">
-              <a:buNone/>
-            </a:pPr>
-            <a:endParaRPr b="0" lang="en-IN" sz="4400" spc="-1" strike="noStrike">
-              <a:latin typeface="Arial"/>
-            </a:endParaRPr>
-          </a:p>
-        </p:txBody>
-      </p:sp>
-      <p:sp>
-        <p:nvSpPr>
-          <p:cNvPr id="109" name="PlaceHolder 2"/>
-          <p:cNvSpPr>
-            <a:spLocks noGrp="1"/>
-          </p:cNvSpPr>
-          <p:nvPr>
-            <p:ph/>
-          </p:nvPr>
-        </p:nvSpPr>
-        <p:spPr>
-          <a:xfrm>
-            <a:off x="504000" y="1326600"/>
-            <a:ext cx="9071640" cy="1568160"/>
-          </a:xfrm>
-          <a:prstGeom prst="rect">
-            <a:avLst/>
-          </a:prstGeom>
-          <a:noFill/>
-          <a:ln w="0">
-            <a:noFill/>
-          </a:ln>
-        </p:spPr>
-        <p:txBody>
-          <a:bodyPr lIns="0" rIns="0" tIns="0" bIns="0" anchor="t">
-            <a:normAutofit/>
-          </a:bodyPr>
-          <a:p>
-            <a:endParaRPr b="0" lang="en-IN" sz="3200" spc="-1" strike="noStrike">
-              <a:latin typeface="Arial"/>
-            </a:endParaRPr>
-          </a:p>
-        </p:txBody>
-      </p:sp>
-      <p:sp>
-        <p:nvSpPr>
-          <p:cNvPr id="110" name="PlaceHolder 3"/>
-          <p:cNvSpPr>
-            <a:spLocks noGrp="1"/>
-          </p:cNvSpPr>
-          <p:nvPr>
-            <p:ph/>
-          </p:nvPr>
-        </p:nvSpPr>
-        <p:spPr>
-          <a:xfrm>
-            <a:off x="504000" y="3044160"/>
-            <a:ext cx="9071640" cy="1568160"/>
-          </a:xfrm>
-          <a:prstGeom prst="rect">
-            <a:avLst/>
-          </a:prstGeom>
-          <a:noFill/>
-          <a:ln w="0">
-            <a:noFill/>
-          </a:ln>
-        </p:spPr>
-        <p:txBody>
-          <a:bodyPr lIns="0" rIns="0" tIns="0" bIns="0" anchor="t">
-            <a:normAutofit/>
-          </a:bodyPr>
-          <a:p>
-            <a:endParaRPr b="0" lang="en-IN" sz="3200" spc="-1" strike="noStrike">
-              <a:latin typeface="Arial"/>
-            </a:endParaRPr>
-          </a:p>
-        </p:txBody>
-      </p:sp>
-    </p:spTree>
-  </p:cSld>
-</p:sldLayout>
-</file>
-
-<file path=ppt/slideLayouts/slideLayout35.xml><?xml version="1.0" encoding="utf-8"?>
-<p:sldLayout xmlns:a="http://schemas.openxmlformats.org/drawingml/2006/main" xmlns:p="http://schemas.openxmlformats.org/presentationml/2006/main" xmlns:r="http://schemas.openxmlformats.org/officeDocument/2006/relationships" xmlns:p14="http://schemas.microsoft.com/office/powerpoint/2010/main" xmlns:p15="http://schemas.microsoft.com/office/powerpoint/2012/main" xmlns:mc="http://schemas.openxmlformats.org/markup-compatibility/2006" type="fourObj" preserve="1">
-  <p:cSld name="Title, 4 Content">
-    <p:spTree>
-      <p:nvGrpSpPr>
-        <p:cNvPr id="1" name=""/>
-        <p:cNvGrpSpPr/>
-        <p:nvPr/>
-      </p:nvGrpSpPr>
-      <p:grpSpPr>
-        <a:xfrm>
-          <a:off x="0" y="0"/>
-          <a:ext cx="0" cy="0"/>
-          <a:chOff x="0" y="0"/>
-          <a:chExt cx="0" cy="0"/>
-        </a:xfrm>
-      </p:grpSpPr>
-      <p:sp>
-        <p:nvSpPr>
-          <p:cNvPr id="111" name="PlaceHolder 1"/>
-          <p:cNvSpPr>
-            <a:spLocks noGrp="1"/>
-          </p:cNvSpPr>
-          <p:nvPr>
-            <p:ph type="title"/>
-          </p:nvPr>
-        </p:nvSpPr>
-        <p:spPr>
-          <a:xfrm>
-            <a:off x="504000" y="226080"/>
-            <a:ext cx="9071640" cy="946440"/>
-          </a:xfrm>
-          <a:prstGeom prst="rect">
-            <a:avLst/>
-          </a:prstGeom>
-          <a:noFill/>
-          <a:ln w="0">
-            <a:noFill/>
-          </a:ln>
-        </p:spPr>
-        <p:txBody>
-          <a:bodyPr lIns="0" rIns="0" tIns="0" bIns="0" anchor="ctr">
-            <a:noAutofit/>
-          </a:bodyPr>
-          <a:p>
-            <a:pPr algn="ctr">
-              <a:buNone/>
-            </a:pPr>
-            <a:endParaRPr b="0" lang="en-IN" sz="4400" spc="-1" strike="noStrike">
-              <a:latin typeface="Arial"/>
-            </a:endParaRPr>
-          </a:p>
-        </p:txBody>
-      </p:sp>
-      <p:sp>
-        <p:nvSpPr>
-          <p:cNvPr id="112" name="PlaceHolder 2"/>
-          <p:cNvSpPr>
-            <a:spLocks noGrp="1"/>
-          </p:cNvSpPr>
-          <p:nvPr>
-            <p:ph/>
-          </p:nvPr>
-        </p:nvSpPr>
-        <p:spPr>
-          <a:xfrm>
-            <a:off x="504000" y="1326600"/>
-            <a:ext cx="4426920" cy="1568160"/>
-          </a:xfrm>
-          <a:prstGeom prst="rect">
-            <a:avLst/>
-          </a:prstGeom>
-          <a:noFill/>
-          <a:ln w="0">
-            <a:noFill/>
-          </a:ln>
-        </p:spPr>
-        <p:txBody>
-          <a:bodyPr lIns="0" rIns="0" tIns="0" bIns="0" anchor="t">
-            <a:normAutofit/>
-          </a:bodyPr>
-          <a:p>
-            <a:endParaRPr b="0" lang="en-IN" sz="3200" spc="-1" strike="noStrike">
-              <a:latin typeface="Arial"/>
-            </a:endParaRPr>
-          </a:p>
-        </p:txBody>
-      </p:sp>
-      <p:sp>
-        <p:nvSpPr>
-          <p:cNvPr id="113" name="PlaceHolder 3"/>
-          <p:cNvSpPr>
-            <a:spLocks noGrp="1"/>
-          </p:cNvSpPr>
-          <p:nvPr>
-            <p:ph/>
-          </p:nvPr>
-        </p:nvSpPr>
-        <p:spPr>
-          <a:xfrm>
-            <a:off x="5152680" y="1326600"/>
-            <a:ext cx="4426920" cy="1568160"/>
-          </a:xfrm>
-          <a:prstGeom prst="rect">
-            <a:avLst/>
-          </a:prstGeom>
-          <a:noFill/>
-          <a:ln w="0">
-            <a:noFill/>
-          </a:ln>
-        </p:spPr>
-        <p:txBody>
-          <a:bodyPr lIns="0" rIns="0" tIns="0" bIns="0" anchor="t">
-            <a:normAutofit/>
-          </a:bodyPr>
-          <a:p>
-            <a:endParaRPr b="0" lang="en-IN" sz="3200" spc="-1" strike="noStrike">
-              <a:latin typeface="Arial"/>
-            </a:endParaRPr>
-          </a:p>
-        </p:txBody>
-      </p:sp>
-      <p:sp>
-        <p:nvSpPr>
-          <p:cNvPr id="114" name="PlaceHolder 4"/>
-          <p:cNvSpPr>
-            <a:spLocks noGrp="1"/>
-          </p:cNvSpPr>
-          <p:nvPr>
-            <p:ph/>
-          </p:nvPr>
-        </p:nvSpPr>
-        <p:spPr>
-          <a:xfrm>
-            <a:off x="504000" y="3044160"/>
-            <a:ext cx="4426920" cy="1568160"/>
-          </a:xfrm>
-          <a:prstGeom prst="rect">
-            <a:avLst/>
-          </a:prstGeom>
-          <a:noFill/>
-          <a:ln w="0">
-            <a:noFill/>
-          </a:ln>
-        </p:spPr>
-        <p:txBody>
-          <a:bodyPr lIns="0" rIns="0" tIns="0" bIns="0" anchor="t">
-            <a:normAutofit/>
-          </a:bodyPr>
-          <a:p>
-            <a:endParaRPr b="0" lang="en-IN" sz="3200" spc="-1" strike="noStrike">
-              <a:latin typeface="Arial"/>
-            </a:endParaRPr>
-          </a:p>
-        </p:txBody>
-      </p:sp>
-      <p:sp>
-        <p:nvSpPr>
-          <p:cNvPr id="115" name="PlaceHolder 5"/>
-          <p:cNvSpPr>
-            <a:spLocks noGrp="1"/>
-          </p:cNvSpPr>
-          <p:nvPr>
-            <p:ph/>
-          </p:nvPr>
-        </p:nvSpPr>
-        <p:spPr>
-          <a:xfrm>
-            <a:off x="5152680" y="3044160"/>
-            <a:ext cx="4426920" cy="1568160"/>
-          </a:xfrm>
-          <a:prstGeom prst="rect">
-            <a:avLst/>
-          </a:prstGeom>
-          <a:noFill/>
-          <a:ln w="0">
-            <a:noFill/>
-          </a:ln>
-        </p:spPr>
-        <p:txBody>
-          <a:bodyPr lIns="0" rIns="0" tIns="0" bIns="0" anchor="t">
-            <a:normAutofit/>
-          </a:bodyPr>
-          <a:p>
-            <a:endParaRPr b="0" lang="en-IN" sz="3200" spc="-1" strike="noStrike">
-              <a:latin typeface="Arial"/>
-            </a:endParaRPr>
-          </a:p>
-        </p:txBody>
-      </p:sp>
-    </p:spTree>
-  </p:cSld>
-</p:sldLayout>
-</file>
-
-<file path=ppt/slideLayouts/slideLayout36.xml><?xml version="1.0" encoding="utf-8"?>
-<p:sldLayout xmlns:a="http://schemas.openxmlformats.org/drawingml/2006/main" xmlns:p="http://schemas.openxmlformats.org/presentationml/2006/main" xmlns:r="http://schemas.openxmlformats.org/officeDocument/2006/relationships" xmlns:p14="http://schemas.microsoft.com/office/powerpoint/2010/main" xmlns:p15="http://schemas.microsoft.com/office/powerpoint/2012/main" xmlns:mc="http://schemas.openxmlformats.org/markup-compatibility/2006" type="blank" preserve="1">
-  <p:cSld name="Title, 6 Content">
-    <p:spTree>
-      <p:nvGrpSpPr>
-        <p:cNvPr id="1" name=""/>
-        <p:cNvGrpSpPr/>
-        <p:nvPr/>
-      </p:nvGrpSpPr>
-      <p:grpSpPr>
-        <a:xfrm>
-          <a:off x="0" y="0"/>
-          <a:ext cx="0" cy="0"/>
-          <a:chOff x="0" y="0"/>
-          <a:chExt cx="0" cy="0"/>
-        </a:xfrm>
-      </p:grpSpPr>
-      <p:sp>
-        <p:nvSpPr>
-          <p:cNvPr id="116" name="PlaceHolder 1"/>
-          <p:cNvSpPr>
-            <a:spLocks noGrp="1"/>
-          </p:cNvSpPr>
-          <p:nvPr>
-            <p:ph type="title"/>
-          </p:nvPr>
-        </p:nvSpPr>
-        <p:spPr>
-          <a:xfrm>
-            <a:off x="504000" y="226080"/>
-            <a:ext cx="9071640" cy="946440"/>
-          </a:xfrm>
-          <a:prstGeom prst="rect">
-            <a:avLst/>
-          </a:prstGeom>
-          <a:noFill/>
-          <a:ln w="0">
-            <a:noFill/>
-          </a:ln>
-        </p:spPr>
-        <p:txBody>
-          <a:bodyPr lIns="0" rIns="0" tIns="0" bIns="0" anchor="ctr">
-            <a:noAutofit/>
-          </a:bodyPr>
-          <a:p>
-            <a:pPr algn="ctr">
-              <a:buNone/>
-            </a:pPr>
-            <a:endParaRPr b="0" lang="en-IN" sz="4400" spc="-1" strike="noStrike">
-              <a:latin typeface="Arial"/>
-            </a:endParaRPr>
-          </a:p>
-        </p:txBody>
-      </p:sp>
-      <p:sp>
-        <p:nvSpPr>
-          <p:cNvPr id="117" name="PlaceHolder 2"/>
-          <p:cNvSpPr>
-            <a:spLocks noGrp="1"/>
-          </p:cNvSpPr>
-          <p:nvPr>
-            <p:ph/>
-          </p:nvPr>
-        </p:nvSpPr>
-        <p:spPr>
-          <a:xfrm>
-            <a:off x="504000" y="1326600"/>
-            <a:ext cx="2920680" cy="1568160"/>
-          </a:xfrm>
-          <a:prstGeom prst="rect">
-            <a:avLst/>
-          </a:prstGeom>
-          <a:noFill/>
-          <a:ln w="0">
-            <a:noFill/>
-          </a:ln>
-        </p:spPr>
-        <p:txBody>
-          <a:bodyPr lIns="0" rIns="0" tIns="0" bIns="0" anchor="t">
-            <a:normAutofit/>
-          </a:bodyPr>
-          <a:p>
-            <a:endParaRPr b="0" lang="en-IN" sz="3200" spc="-1" strike="noStrike">
-              <a:latin typeface="Arial"/>
-            </a:endParaRPr>
-          </a:p>
-        </p:txBody>
-      </p:sp>
-      <p:sp>
-        <p:nvSpPr>
-          <p:cNvPr id="118" name="PlaceHolder 3"/>
-          <p:cNvSpPr>
-            <a:spLocks noGrp="1"/>
-          </p:cNvSpPr>
-          <p:nvPr>
-            <p:ph/>
-          </p:nvPr>
-        </p:nvSpPr>
-        <p:spPr>
-          <a:xfrm>
-            <a:off x="3571200" y="1326600"/>
-            <a:ext cx="2920680" cy="1568160"/>
-          </a:xfrm>
-          <a:prstGeom prst="rect">
-            <a:avLst/>
-          </a:prstGeom>
-          <a:noFill/>
-          <a:ln w="0">
-            <a:noFill/>
-          </a:ln>
-        </p:spPr>
-        <p:txBody>
-          <a:bodyPr lIns="0" rIns="0" tIns="0" bIns="0" anchor="t">
-            <a:normAutofit/>
-          </a:bodyPr>
-          <a:p>
-            <a:endParaRPr b="0" lang="en-IN" sz="3200" spc="-1" strike="noStrike">
-              <a:latin typeface="Arial"/>
-            </a:endParaRPr>
-          </a:p>
-        </p:txBody>
-      </p:sp>
-      <p:sp>
-        <p:nvSpPr>
-          <p:cNvPr id="119" name="PlaceHolder 4"/>
-          <p:cNvSpPr>
-            <a:spLocks noGrp="1"/>
-          </p:cNvSpPr>
-          <p:nvPr>
-            <p:ph/>
-          </p:nvPr>
-        </p:nvSpPr>
-        <p:spPr>
-          <a:xfrm>
-            <a:off x="6638040" y="1326600"/>
-            <a:ext cx="2920680" cy="1568160"/>
-          </a:xfrm>
-          <a:prstGeom prst="rect">
-            <a:avLst/>
-          </a:prstGeom>
-          <a:noFill/>
-          <a:ln w="0">
-            <a:noFill/>
-          </a:ln>
-        </p:spPr>
-        <p:txBody>
-          <a:bodyPr lIns="0" rIns="0" tIns="0" bIns="0" anchor="t">
-            <a:normAutofit/>
-          </a:bodyPr>
-          <a:p>
-            <a:endParaRPr b="0" lang="en-IN" sz="3200" spc="-1" strike="noStrike">
-              <a:latin typeface="Arial"/>
-            </a:endParaRPr>
-          </a:p>
-        </p:txBody>
-      </p:sp>
-      <p:sp>
-        <p:nvSpPr>
-          <p:cNvPr id="120" name="PlaceHolder 5"/>
-          <p:cNvSpPr>
-            <a:spLocks noGrp="1"/>
-          </p:cNvSpPr>
-          <p:nvPr>
-            <p:ph/>
-          </p:nvPr>
-        </p:nvSpPr>
-        <p:spPr>
-          <a:xfrm>
-            <a:off x="504000" y="3044160"/>
-            <a:ext cx="2920680" cy="1568160"/>
-          </a:xfrm>
-          <a:prstGeom prst="rect">
-            <a:avLst/>
-          </a:prstGeom>
-          <a:noFill/>
-          <a:ln w="0">
-            <a:noFill/>
-          </a:ln>
-        </p:spPr>
-        <p:txBody>
-          <a:bodyPr lIns="0" rIns="0" tIns="0" bIns="0" anchor="t">
-            <a:normAutofit/>
-          </a:bodyPr>
-          <a:p>
-            <a:endParaRPr b="0" lang="en-IN" sz="3200" spc="-1" strike="noStrike">
-              <a:latin typeface="Arial"/>
-            </a:endParaRPr>
-          </a:p>
-        </p:txBody>
-      </p:sp>
-      <p:sp>
-        <p:nvSpPr>
-          <p:cNvPr id="121" name="PlaceHolder 6"/>
-          <p:cNvSpPr>
-            <a:spLocks noGrp="1"/>
-          </p:cNvSpPr>
-          <p:nvPr>
-            <p:ph/>
-          </p:nvPr>
-        </p:nvSpPr>
-        <p:spPr>
-          <a:xfrm>
-            <a:off x="3571200" y="3044160"/>
-            <a:ext cx="2920680" cy="1568160"/>
-          </a:xfrm>
-          <a:prstGeom prst="rect">
-            <a:avLst/>
-          </a:prstGeom>
-          <a:noFill/>
-          <a:ln w="0">
-            <a:noFill/>
-          </a:ln>
-        </p:spPr>
-        <p:txBody>
-          <a:bodyPr lIns="0" rIns="0" tIns="0" bIns="0" anchor="t">
-            <a:normAutofit/>
-          </a:bodyPr>
-          <a:p>
-            <a:endParaRPr b="0" lang="en-IN" sz="3200" spc="-1" strike="noStrike">
-              <a:latin typeface="Arial"/>
-            </a:endParaRPr>
-          </a:p>
-        </p:txBody>
-      </p:sp>
-      <p:sp>
-        <p:nvSpPr>
-          <p:cNvPr id="122" name="PlaceHolder 7"/>
-          <p:cNvSpPr>
-            <a:spLocks noGrp="1"/>
-          </p:cNvSpPr>
-          <p:nvPr>
-            <p:ph/>
-          </p:nvPr>
-        </p:nvSpPr>
-        <p:spPr>
-          <a:xfrm>
-            <a:off x="6638040" y="3044160"/>
-            <a:ext cx="2920680" cy="1568160"/>
+            <a:ext cx="9072000" cy="3288600"/>
           </a:xfrm>
           <a:prstGeom prst="rect">
             <a:avLst/>
@@ -4625,7 +2368,7 @@
         <p:spPr>
           <a:xfrm>
             <a:off x="504000" y="226080"/>
-            <a:ext cx="9071640" cy="946440"/>
+            <a:ext cx="9072000" cy="946440"/>
           </a:xfrm>
           <a:prstGeom prst="rect">
             <a:avLst/>
@@ -4662,7 +2405,7 @@
         <p:spPr>
           <a:xfrm>
             <a:off x="504000" y="1326600"/>
-            <a:ext cx="4426920" cy="3288240"/>
+            <a:ext cx="4426920" cy="3288600"/>
           </a:xfrm>
           <a:prstGeom prst="rect">
             <a:avLst/>
@@ -4696,7 +2439,7 @@
         <p:spPr>
           <a:xfrm>
             <a:off x="5152680" y="1326600"/>
-            <a:ext cx="4426920" cy="3288240"/>
+            <a:ext cx="4426920" cy="3288600"/>
           </a:xfrm>
           <a:prstGeom prst="rect">
             <a:avLst/>
@@ -4752,7 +2495,7 @@
         <p:spPr>
           <a:xfrm>
             <a:off x="504000" y="226080"/>
-            <a:ext cx="9071640" cy="946440"/>
+            <a:ext cx="9072000" cy="946440"/>
           </a:xfrm>
           <a:prstGeom prst="rect">
             <a:avLst/>
@@ -4811,7 +2554,7 @@
         <p:spPr>
           <a:xfrm>
             <a:off x="504000" y="226080"/>
-            <a:ext cx="9071640" cy="4388400"/>
+            <a:ext cx="9072000" cy="4388400"/>
           </a:xfrm>
           <a:prstGeom prst="rect">
             <a:avLst/>
@@ -4870,7 +2613,7 @@
         <p:spPr>
           <a:xfrm>
             <a:off x="504000" y="226080"/>
-            <a:ext cx="9071640" cy="946440"/>
+            <a:ext cx="9072000" cy="946440"/>
           </a:xfrm>
           <a:prstGeom prst="rect">
             <a:avLst/>
@@ -4907,7 +2650,7 @@
         <p:spPr>
           <a:xfrm>
             <a:off x="504000" y="1326600"/>
-            <a:ext cx="4426920" cy="1568160"/>
+            <a:ext cx="4426920" cy="1568520"/>
           </a:xfrm>
           <a:prstGeom prst="rect">
             <a:avLst/>
@@ -4941,7 +2684,7 @@
         <p:spPr>
           <a:xfrm>
             <a:off x="5152680" y="1326600"/>
-            <a:ext cx="4426920" cy="3288240"/>
+            <a:ext cx="4426920" cy="3288600"/>
           </a:xfrm>
           <a:prstGeom prst="rect">
             <a:avLst/>
@@ -4974,8 +2717,8 @@
         </p:nvSpPr>
         <p:spPr>
           <a:xfrm>
-            <a:off x="504000" y="3044160"/>
-            <a:ext cx="4426920" cy="1568160"/>
+            <a:off x="504000" y="3044520"/>
+            <a:ext cx="4426920" cy="1568520"/>
           </a:xfrm>
           <a:prstGeom prst="rect">
             <a:avLst/>
@@ -5031,7 +2774,7 @@
         <p:spPr>
           <a:xfrm>
             <a:off x="504000" y="226080"/>
-            <a:ext cx="9071640" cy="946440"/>
+            <a:ext cx="9072000" cy="946440"/>
           </a:xfrm>
           <a:prstGeom prst="rect">
             <a:avLst/>
@@ -5068,7 +2811,7 @@
         <p:spPr>
           <a:xfrm>
             <a:off x="504000" y="1326600"/>
-            <a:ext cx="4426920" cy="3288240"/>
+            <a:ext cx="4426920" cy="3288600"/>
           </a:xfrm>
           <a:prstGeom prst="rect">
             <a:avLst/>
@@ -5102,7 +2845,7 @@
         <p:spPr>
           <a:xfrm>
             <a:off x="5152680" y="1326600"/>
-            <a:ext cx="4426920" cy="1568160"/>
+            <a:ext cx="4426920" cy="1568520"/>
           </a:xfrm>
           <a:prstGeom prst="rect">
             <a:avLst/>
@@ -5135,8 +2878,8 @@
         </p:nvSpPr>
         <p:spPr>
           <a:xfrm>
-            <a:off x="5152680" y="3044160"/>
-            <a:ext cx="4426920" cy="1568160"/>
+            <a:off x="5152680" y="3044520"/>
+            <a:ext cx="4426920" cy="1568520"/>
           </a:xfrm>
           <a:prstGeom prst="rect">
             <a:avLst/>
@@ -5192,7 +2935,7 @@
         <p:spPr>
           <a:xfrm>
             <a:off x="504000" y="226080"/>
-            <a:ext cx="9071640" cy="946440"/>
+            <a:ext cx="9072000" cy="946440"/>
           </a:xfrm>
           <a:prstGeom prst="rect">
             <a:avLst/>
@@ -5229,7 +2972,7 @@
         <p:spPr>
           <a:xfrm>
             <a:off x="504000" y="1326600"/>
-            <a:ext cx="4426920" cy="1568160"/>
+            <a:ext cx="4426920" cy="1568520"/>
           </a:xfrm>
           <a:prstGeom prst="rect">
             <a:avLst/>
@@ -5263,7 +3006,7 @@
         <p:spPr>
           <a:xfrm>
             <a:off x="5152680" y="1326600"/>
-            <a:ext cx="4426920" cy="1568160"/>
+            <a:ext cx="4426920" cy="1568520"/>
           </a:xfrm>
           <a:prstGeom prst="rect">
             <a:avLst/>
@@ -5296,8 +3039,8 @@
         </p:nvSpPr>
         <p:spPr>
           <a:xfrm>
-            <a:off x="504000" y="3044160"/>
-            <a:ext cx="9071640" cy="1568160"/>
+            <a:off x="504000" y="3044520"/>
+            <a:ext cx="9072000" cy="1568520"/>
           </a:xfrm>
           <a:prstGeom prst="rect">
             <a:avLst/>
@@ -5348,8 +3091,8 @@
         </p:nvSpPr>
         <p:spPr>
           <a:xfrm flipH="1" flipV="1">
-            <a:off x="0" y="4500000"/>
-            <a:ext cx="10080000" cy="1170000"/>
+            <a:off x="-720" y="4499280"/>
+            <a:ext cx="10079640" cy="1169640"/>
           </a:xfrm>
           <a:prstGeom prst="flowChartDocument">
             <a:avLst/>
@@ -5363,13 +3106,13 @@
                 <a:srgbClr val="009bdd"/>
               </a:gs>
             </a:gsLst>
-            <a:lin ang="10800000"/>
+            <a:lin ang="0"/>
           </a:gradFill>
           <a:ln w="18000">
             <a:noFill/>
           </a:ln>
           <a:effectLst>
-            <a:outerShdw dist="10800" dir="5400000" blurRad="0" rotWithShape="0">
+            <a:outerShdw blurRad="0" dir="5400000" dist="10800" rotWithShape="0">
               <a:srgbClr val="009bdd"/>
             </a:outerShdw>
           </a:effectLst>
@@ -5383,302 +3126,40 @@
       </p:sp>
       <p:sp>
         <p:nvSpPr>
-          <p:cNvPr id="1" name="PlaceHolder 1"/>
-          <p:cNvSpPr>
-            <a:spLocks noGrp="1"/>
-          </p:cNvSpPr>
-          <p:nvPr>
-            <p:ph type="title"/>
-          </p:nvPr>
-        </p:nvSpPr>
-        <p:spPr>
-          <a:xfrm>
-            <a:off x="0" y="1620000"/>
-            <a:ext cx="9000000" cy="1080000"/>
-          </a:xfrm>
-          <a:prstGeom prst="rect">
-            <a:avLst/>
-          </a:prstGeom>
-          <a:noFill/>
-          <a:ln w="0">
-            <a:noFill/>
-          </a:ln>
-        </p:spPr>
-        <p:txBody>
-          <a:bodyPr lIns="0" rIns="0" tIns="0" bIns="0" anchor="ctr">
-            <a:noAutofit/>
-          </a:bodyPr>
-          <a:p>
-            <a:pPr algn="ctr">
-              <a:buNone/>
-            </a:pPr>
-            <a:r>
-              <a:rPr b="0" lang="en-IN" sz="3300" spc="-1" strike="noStrike">
-                <a:solidFill>
-                  <a:srgbClr val="dd4100"/>
-                </a:solidFill>
-                <a:latin typeface="Arial"/>
-              </a:rPr>
-              <a:t>Click to edit the title text format</a:t>
-            </a:r>
-            <a:endParaRPr b="0" lang="en-IN" sz="3300" spc="-1" strike="noStrike">
-              <a:solidFill>
-                <a:srgbClr val="dd4100"/>
-              </a:solidFill>
-              <a:latin typeface="Arial"/>
-            </a:endParaRPr>
-          </a:p>
-        </p:txBody>
-      </p:sp>
-      <p:sp>
-        <p:nvSpPr>
-          <p:cNvPr id="2" name="PlaceHolder 2"/>
-          <p:cNvSpPr>
-            <a:spLocks noGrp="1"/>
-          </p:cNvSpPr>
-          <p:nvPr>
-            <p:ph type="body"/>
-          </p:nvPr>
-        </p:nvSpPr>
-        <p:spPr>
-          <a:xfrm>
-            <a:off x="360000" y="2880000"/>
-            <a:ext cx="9360000" cy="1620000"/>
-          </a:xfrm>
-          <a:prstGeom prst="rect">
-            <a:avLst/>
-          </a:prstGeom>
-          <a:noFill/>
-          <a:ln w="0">
-            <a:noFill/>
-          </a:ln>
-        </p:spPr>
-        <p:txBody>
-          <a:bodyPr lIns="0" rIns="0" tIns="0" bIns="0" anchor="t">
-            <a:normAutofit fontScale="78000"/>
-          </a:bodyPr>
-          <a:p>
-            <a:pPr marL="432000" indent="-324000">
-              <a:spcBef>
-                <a:spcPts val="1060"/>
-              </a:spcBef>
-              <a:buClr>
-                <a:srgbClr val="77caee"/>
-              </a:buClr>
-              <a:buSzPct val="45000"/>
-              <a:buFont typeface="Wingdings" charset="2"/>
-              <a:buChar char=""/>
-            </a:pPr>
-            <a:r>
-              <a:rPr b="0" lang="en-IN" sz="2400" spc="-1" strike="noStrike">
-                <a:solidFill>
-                  <a:srgbClr val="009bdd"/>
-                </a:solidFill>
-                <a:latin typeface="Arial"/>
-              </a:rPr>
-              <a:t>Click to edit the outline text format</a:t>
-            </a:r>
-            <a:endParaRPr b="0" lang="en-IN" sz="2400" spc="-1" strike="noStrike">
-              <a:solidFill>
-                <a:srgbClr val="009bdd"/>
-              </a:solidFill>
-              <a:latin typeface="Arial"/>
-            </a:endParaRPr>
-          </a:p>
-          <a:p>
-            <a:pPr lvl="1" marL="864000" indent="-324000">
-              <a:spcBef>
-                <a:spcPts val="850"/>
-              </a:spcBef>
-              <a:buClr>
-                <a:srgbClr val="77caee"/>
-              </a:buClr>
-              <a:buSzPct val="45000"/>
-              <a:buFont typeface="Wingdings" charset="2"/>
-              <a:buChar char=""/>
-            </a:pPr>
-            <a:r>
-              <a:rPr b="0" lang="en-IN" sz="2100" spc="-1" strike="noStrike">
-                <a:solidFill>
-                  <a:srgbClr val="009bdd"/>
-                </a:solidFill>
-                <a:latin typeface="Arial"/>
-              </a:rPr>
-              <a:t>Second Outline Level</a:t>
-            </a:r>
-            <a:endParaRPr b="0" lang="en-IN" sz="2100" spc="-1" strike="noStrike">
-              <a:solidFill>
-                <a:srgbClr val="009bdd"/>
-              </a:solidFill>
-              <a:latin typeface="Arial"/>
-            </a:endParaRPr>
-          </a:p>
-          <a:p>
-            <a:pPr lvl="2" marL="1296000" indent="-288000">
-              <a:spcBef>
-                <a:spcPts val="635"/>
-              </a:spcBef>
-              <a:buClr>
-                <a:srgbClr val="77caee"/>
-              </a:buClr>
-              <a:buSzPct val="45000"/>
-              <a:buFont typeface="Wingdings" charset="2"/>
-              <a:buChar char=""/>
-            </a:pPr>
-            <a:r>
-              <a:rPr b="0" lang="en-IN" sz="1800" spc="-1" strike="noStrike">
-                <a:solidFill>
-                  <a:srgbClr val="009bdd"/>
-                </a:solidFill>
-                <a:latin typeface="Arial"/>
-              </a:rPr>
-              <a:t>Third Outline Level</a:t>
-            </a:r>
-            <a:endParaRPr b="0" lang="en-IN" sz="1800" spc="-1" strike="noStrike">
-              <a:solidFill>
-                <a:srgbClr val="009bdd"/>
-              </a:solidFill>
-              <a:latin typeface="Arial"/>
-            </a:endParaRPr>
-          </a:p>
-          <a:p>
-            <a:pPr lvl="3" marL="1728000" indent="-216000">
-              <a:spcBef>
-                <a:spcPts val="422"/>
-              </a:spcBef>
-              <a:buClr>
-                <a:srgbClr val="77caee"/>
-              </a:buClr>
-              <a:buSzPct val="45000"/>
-              <a:buFont typeface="Wingdings" charset="2"/>
-              <a:buChar char=""/>
-            </a:pPr>
-            <a:r>
-              <a:rPr b="0" lang="en-IN" sz="1500" spc="-1" strike="noStrike">
-                <a:solidFill>
-                  <a:srgbClr val="009bdd"/>
-                </a:solidFill>
-                <a:latin typeface="Arial"/>
-              </a:rPr>
-              <a:t>Fourth Outline Level</a:t>
-            </a:r>
-            <a:endParaRPr b="0" lang="en-IN" sz="1500" spc="-1" strike="noStrike">
-              <a:solidFill>
-                <a:srgbClr val="009bdd"/>
-              </a:solidFill>
-              <a:latin typeface="Arial"/>
-            </a:endParaRPr>
-          </a:p>
-          <a:p>
-            <a:pPr lvl="4" marL="2160000" indent="-216000">
-              <a:spcBef>
-                <a:spcPts val="210"/>
-              </a:spcBef>
-              <a:buClr>
-                <a:srgbClr val="77caee"/>
-              </a:buClr>
-              <a:buSzPct val="45000"/>
-              <a:buFont typeface="Wingdings" charset="2"/>
-              <a:buChar char=""/>
-            </a:pPr>
-            <a:r>
-              <a:rPr b="0" lang="en-IN" sz="1500" spc="-1" strike="noStrike">
-                <a:solidFill>
-                  <a:srgbClr val="009bdd"/>
-                </a:solidFill>
-                <a:latin typeface="Arial"/>
-              </a:rPr>
-              <a:t>Fifth Outline Level</a:t>
-            </a:r>
-            <a:endParaRPr b="0" lang="en-IN" sz="1500" spc="-1" strike="noStrike">
-              <a:solidFill>
-                <a:srgbClr val="009bdd"/>
-              </a:solidFill>
-              <a:latin typeface="Arial"/>
-            </a:endParaRPr>
-          </a:p>
-          <a:p>
-            <a:pPr lvl="5" marL="2592000" indent="-216000">
-              <a:spcBef>
-                <a:spcPts val="210"/>
-              </a:spcBef>
-              <a:buClr>
-                <a:srgbClr val="77caee"/>
-              </a:buClr>
-              <a:buSzPct val="45000"/>
-              <a:buFont typeface="Wingdings" charset="2"/>
-              <a:buChar char=""/>
-            </a:pPr>
-            <a:r>
-              <a:rPr b="0" lang="en-IN" sz="1500" spc="-1" strike="noStrike">
-                <a:solidFill>
-                  <a:srgbClr val="009bdd"/>
-                </a:solidFill>
-                <a:latin typeface="Arial"/>
-              </a:rPr>
-              <a:t>Sixth Outline Level</a:t>
-            </a:r>
-            <a:endParaRPr b="0" lang="en-IN" sz="1500" spc="-1" strike="noStrike">
-              <a:solidFill>
-                <a:srgbClr val="009bdd"/>
-              </a:solidFill>
-              <a:latin typeface="Arial"/>
-            </a:endParaRPr>
-          </a:p>
-          <a:p>
-            <a:pPr lvl="6" marL="3024000" indent="-216000">
-              <a:spcBef>
-                <a:spcPts val="210"/>
-              </a:spcBef>
-              <a:buClr>
-                <a:srgbClr val="77caee"/>
-              </a:buClr>
-              <a:buSzPct val="45000"/>
-              <a:buFont typeface="Wingdings" charset="2"/>
-              <a:buChar char=""/>
-            </a:pPr>
-            <a:r>
-              <a:rPr b="0" lang="en-IN" sz="1500" spc="-1" strike="noStrike">
-                <a:solidFill>
-                  <a:srgbClr val="009bdd"/>
-                </a:solidFill>
-                <a:latin typeface="Arial"/>
-              </a:rPr>
-              <a:t>Seventh Outline Level</a:t>
-            </a:r>
-            <a:endParaRPr b="0" lang="en-IN" sz="1500" spc="-1" strike="noStrike">
-              <a:solidFill>
-                <a:srgbClr val="009bdd"/>
-              </a:solidFill>
-              <a:latin typeface="Arial"/>
-            </a:endParaRPr>
-          </a:p>
-        </p:txBody>
-      </p:sp>
-      <p:sp>
-        <p:nvSpPr>
-          <p:cNvPr id="3" name=""/>
-          <p:cNvSpPr txBox="1"/>
+          <p:cNvPr id="1" name=""/>
+          <p:cNvSpPr/>
           <p:nvPr/>
         </p:nvSpPr>
         <p:spPr>
           <a:xfrm>
             <a:off x="360000" y="5220000"/>
-            <a:ext cx="2340000" cy="360000"/>
-          </a:xfrm>
-          <a:prstGeom prst="rect">
-            <a:avLst/>
-          </a:prstGeom>
-          <a:noFill/>
-          <a:ln w="0">
-            <a:noFill/>
-          </a:ln>
-        </p:spPr>
+            <a:ext cx="2339640" cy="359640"/>
+          </a:xfrm>
+          <a:prstGeom prst="rect">
+            <a:avLst/>
+          </a:prstGeom>
+          <a:noFill/>
+          <a:ln w="0">
+            <a:noFill/>
+          </a:ln>
+        </p:spPr>
+        <p:style>
+          <a:lnRef idx="0"/>
+          <a:fillRef idx="0"/>
+          <a:effectRef idx="0"/>
+          <a:fontRef idx="minor"/>
+        </p:style>
         <p:txBody>
           <a:bodyPr lIns="0" rIns="0" tIns="0" bIns="0" anchor="t">
             <a:noAutofit/>
           </a:bodyPr>
           <a:p>
+            <a:pPr>
+              <a:lnSpc>
+                <a:spcPct val="100000"/>
+              </a:lnSpc>
+              <a:buNone/>
+            </a:pPr>
             <a:r>
               <a:rPr b="0" lang="en-IN" sz="1400" spc="-1" strike="noStrike">
                 <a:solidFill>
@@ -5689,39 +3170,45 @@
               <a:t>&lt;date/time&gt;</a:t>
             </a:r>
             <a:endParaRPr b="0" lang="en-IN" sz="1400" spc="-1" strike="noStrike">
-              <a:solidFill>
-                <a:srgbClr val="ffffff"/>
-              </a:solidFill>
-              <a:latin typeface="Arial"/>
-            </a:endParaRPr>
-          </a:p>
-        </p:txBody>
-      </p:sp>
-      <p:sp>
-        <p:nvSpPr>
-          <p:cNvPr id="4" name=""/>
-          <p:cNvSpPr txBox="1"/>
+              <a:latin typeface="Arial"/>
+            </a:endParaRPr>
+          </a:p>
+        </p:txBody>
+      </p:sp>
+      <p:sp>
+        <p:nvSpPr>
+          <p:cNvPr id="2" name=""/>
+          <p:cNvSpPr/>
           <p:nvPr/>
         </p:nvSpPr>
         <p:spPr>
           <a:xfrm>
             <a:off x="3420000" y="5220000"/>
-            <a:ext cx="3240000" cy="360000"/>
-          </a:xfrm>
-          <a:prstGeom prst="rect">
-            <a:avLst/>
-          </a:prstGeom>
-          <a:noFill/>
-          <a:ln w="0">
-            <a:noFill/>
-          </a:ln>
-        </p:spPr>
+            <a:ext cx="3239640" cy="359640"/>
+          </a:xfrm>
+          <a:prstGeom prst="rect">
+            <a:avLst/>
+          </a:prstGeom>
+          <a:noFill/>
+          <a:ln w="0">
+            <a:noFill/>
+          </a:ln>
+        </p:spPr>
+        <p:style>
+          <a:lnRef idx="0"/>
+          <a:fillRef idx="0"/>
+          <a:effectRef idx="0"/>
+          <a:fontRef idx="minor"/>
+        </p:style>
         <p:txBody>
           <a:bodyPr lIns="0" rIns="0" tIns="0" bIns="0" anchor="t">
             <a:noAutofit/>
           </a:bodyPr>
           <a:p>
             <a:pPr algn="ctr">
+              <a:lnSpc>
+                <a:spcPct val="100000"/>
+              </a:lnSpc>
               <a:buNone/>
             </a:pPr>
             <a:r>
@@ -5734,42 +3221,48 @@
               <a:t>&lt;footer&gt;</a:t>
             </a:r>
             <a:endParaRPr b="0" lang="en-IN" sz="1400" spc="-1" strike="noStrike">
-              <a:solidFill>
-                <a:srgbClr val="ffffff"/>
-              </a:solidFill>
-              <a:latin typeface="Arial"/>
-            </a:endParaRPr>
-          </a:p>
-        </p:txBody>
-      </p:sp>
-      <p:sp>
-        <p:nvSpPr>
-          <p:cNvPr id="5" name=""/>
-          <p:cNvSpPr txBox="1"/>
+              <a:latin typeface="Arial"/>
+            </a:endParaRPr>
+          </a:p>
+        </p:txBody>
+      </p:sp>
+      <p:sp>
+        <p:nvSpPr>
+          <p:cNvPr id="3" name=""/>
+          <p:cNvSpPr/>
           <p:nvPr/>
         </p:nvSpPr>
         <p:spPr>
           <a:xfrm>
             <a:off x="7380000" y="5220000"/>
-            <a:ext cx="2340000" cy="360000"/>
-          </a:xfrm>
-          <a:prstGeom prst="rect">
-            <a:avLst/>
-          </a:prstGeom>
-          <a:noFill/>
-          <a:ln w="0">
-            <a:noFill/>
-          </a:ln>
-        </p:spPr>
+            <a:ext cx="2339640" cy="359640"/>
+          </a:xfrm>
+          <a:prstGeom prst="rect">
+            <a:avLst/>
+          </a:prstGeom>
+          <a:noFill/>
+          <a:ln w="0">
+            <a:noFill/>
+          </a:ln>
+        </p:spPr>
+        <p:style>
+          <a:lnRef idx="0"/>
+          <a:fillRef idx="0"/>
+          <a:effectRef idx="0"/>
+          <a:fontRef idx="minor"/>
+        </p:style>
         <p:txBody>
           <a:bodyPr lIns="0" rIns="0" tIns="0" bIns="0" anchor="t">
             <a:noAutofit/>
           </a:bodyPr>
           <a:p>
             <a:pPr algn="r">
+              <a:lnSpc>
+                <a:spcPct val="100000"/>
+              </a:lnSpc>
               <a:buNone/>
             </a:pPr>
-            <a:fld id="{A8EC3542-3169-4F8E-A193-53139A6249C2}" type="slidenum">
+            <a:fld id="{F9AF0DE0-1E05-4A6C-BAB1-EE2EEFF5BF1B}" type="slidenum">
               <a:rPr b="0" lang="en-IN" sz="1400" spc="-1" strike="noStrike">
                 <a:solidFill>
                   <a:srgbClr val="ffffff"/>
@@ -5779,9 +3272,229 @@
               <a:t>&lt;number&gt;</a:t>
             </a:fld>
             <a:endParaRPr b="0" lang="en-IN" sz="1400" spc="-1" strike="noStrike">
-              <a:solidFill>
-                <a:srgbClr val="ffffff"/>
-              </a:solidFill>
+              <a:latin typeface="Arial"/>
+            </a:endParaRPr>
+          </a:p>
+        </p:txBody>
+      </p:sp>
+      <p:sp>
+        <p:nvSpPr>
+          <p:cNvPr id="4" name="PlaceHolder 1"/>
+          <p:cNvSpPr>
+            <a:spLocks noGrp="1"/>
+          </p:cNvSpPr>
+          <p:nvPr>
+            <p:ph type="title"/>
+          </p:nvPr>
+        </p:nvSpPr>
+        <p:spPr>
+          <a:xfrm>
+            <a:off x="504000" y="226080"/>
+            <a:ext cx="9071280" cy="946080"/>
+          </a:xfrm>
+          <a:prstGeom prst="rect">
+            <a:avLst/>
+          </a:prstGeom>
+          <a:noFill/>
+          <a:ln w="0">
+            <a:noFill/>
+          </a:ln>
+        </p:spPr>
+        <p:txBody>
+          <a:bodyPr lIns="0" rIns="0" tIns="0" bIns="0" anchor="ctr">
+            <a:noAutofit/>
+          </a:bodyPr>
+          <a:p>
+            <a:r>
+              <a:rPr b="0" lang="en-IN" sz="1800" spc="-1" strike="noStrike">
+                <a:latin typeface="Arial"/>
+              </a:rPr>
+              <a:t>Click to edit the title text format</a:t>
+            </a:r>
+            <a:endParaRPr b="0" lang="en-IN" sz="1800" spc="-1" strike="noStrike">
+              <a:latin typeface="Arial"/>
+            </a:endParaRPr>
+          </a:p>
+        </p:txBody>
+      </p:sp>
+      <p:sp>
+        <p:nvSpPr>
+          <p:cNvPr id="5" name="PlaceHolder 2"/>
+          <p:cNvSpPr>
+            <a:spLocks noGrp="1"/>
+          </p:cNvSpPr>
+          <p:nvPr>
+            <p:ph type="body"/>
+          </p:nvPr>
+        </p:nvSpPr>
+        <p:spPr>
+          <a:xfrm>
+            <a:off x="504000" y="1326600"/>
+            <a:ext cx="9072000" cy="3288600"/>
+          </a:xfrm>
+          <a:prstGeom prst="rect">
+            <a:avLst/>
+          </a:prstGeom>
+          <a:noFill/>
+          <a:ln w="0">
+            <a:noFill/>
+          </a:ln>
+        </p:spPr>
+        <p:txBody>
+          <a:bodyPr lIns="0" rIns="0" tIns="0" bIns="0" anchor="t">
+            <a:normAutofit/>
+          </a:bodyPr>
+          <a:p>
+            <a:pPr marL="432000" indent="-324000">
+              <a:spcBef>
+                <a:spcPts val="1417"/>
+              </a:spcBef>
+              <a:buClr>
+                <a:srgbClr val="000000"/>
+              </a:buClr>
+              <a:buSzPct val="45000"/>
+              <a:buFont typeface="Wingdings" charset="2"/>
+              <a:buChar char=""/>
+            </a:pPr>
+            <a:r>
+              <a:rPr b="0" lang="en-IN" sz="3200" spc="-1" strike="noStrike">
+                <a:latin typeface="Arial"/>
+              </a:rPr>
+              <a:t>Click to edit the outline text format</a:t>
+            </a:r>
+            <a:endParaRPr b="0" lang="en-IN" sz="3200" spc="-1" strike="noStrike">
+              <a:latin typeface="Arial"/>
+            </a:endParaRPr>
+          </a:p>
+          <a:p>
+            <a:pPr lvl="1" marL="864000" indent="-324000">
+              <a:spcBef>
+                <a:spcPts val="1134"/>
+              </a:spcBef>
+              <a:buClr>
+                <a:srgbClr val="000000"/>
+              </a:buClr>
+              <a:buSzPct val="75000"/>
+              <a:buFont typeface="Symbol" charset="2"/>
+              <a:buChar char=""/>
+            </a:pPr>
+            <a:r>
+              <a:rPr b="0" lang="en-IN" sz="2800" spc="-1" strike="noStrike">
+                <a:latin typeface="Arial"/>
+              </a:rPr>
+              <a:t>Second Outline Level</a:t>
+            </a:r>
+            <a:endParaRPr b="0" lang="en-IN" sz="2800" spc="-1" strike="noStrike">
+              <a:latin typeface="Arial"/>
+            </a:endParaRPr>
+          </a:p>
+          <a:p>
+            <a:pPr lvl="2" marL="1296000" indent="-288000">
+              <a:spcBef>
+                <a:spcPts val="850"/>
+              </a:spcBef>
+              <a:buClr>
+                <a:srgbClr val="000000"/>
+              </a:buClr>
+              <a:buSzPct val="45000"/>
+              <a:buFont typeface="Wingdings" charset="2"/>
+              <a:buChar char=""/>
+            </a:pPr>
+            <a:r>
+              <a:rPr b="0" lang="en-IN" sz="2400" spc="-1" strike="noStrike">
+                <a:latin typeface="Arial"/>
+              </a:rPr>
+              <a:t>Third Outline Level</a:t>
+            </a:r>
+            <a:endParaRPr b="0" lang="en-IN" sz="2400" spc="-1" strike="noStrike">
+              <a:latin typeface="Arial"/>
+            </a:endParaRPr>
+          </a:p>
+          <a:p>
+            <a:pPr lvl="3" marL="1728000" indent="-216000">
+              <a:spcBef>
+                <a:spcPts val="567"/>
+              </a:spcBef>
+              <a:buClr>
+                <a:srgbClr val="000000"/>
+              </a:buClr>
+              <a:buSzPct val="75000"/>
+              <a:buFont typeface="Symbol" charset="2"/>
+              <a:buChar char=""/>
+            </a:pPr>
+            <a:r>
+              <a:rPr b="0" lang="en-IN" sz="2000" spc="-1" strike="noStrike">
+                <a:latin typeface="Arial"/>
+              </a:rPr>
+              <a:t>Fourth Outline Level</a:t>
+            </a:r>
+            <a:endParaRPr b="0" lang="en-IN" sz="2000" spc="-1" strike="noStrike">
+              <a:latin typeface="Arial"/>
+            </a:endParaRPr>
+          </a:p>
+          <a:p>
+            <a:pPr lvl="4" marL="2160000" indent="-216000">
+              <a:spcBef>
+                <a:spcPts val="283"/>
+              </a:spcBef>
+              <a:buClr>
+                <a:srgbClr val="000000"/>
+              </a:buClr>
+              <a:buSzPct val="45000"/>
+              <a:buFont typeface="Wingdings" charset="2"/>
+              <a:buChar char=""/>
+            </a:pPr>
+            <a:r>
+              <a:rPr b="0" lang="en-IN" sz="2000" spc="-1" strike="noStrike">
+                <a:latin typeface="Arial"/>
+              </a:rPr>
+              <a:t>Fifth Outline Level</a:t>
+            </a:r>
+            <a:endParaRPr b="0" lang="en-IN" sz="2000" spc="-1" strike="noStrike">
+              <a:latin typeface="Arial"/>
+            </a:endParaRPr>
+          </a:p>
+          <a:p>
+            <a:pPr lvl="5" marL="2592000" indent="-216000">
+              <a:spcBef>
+                <a:spcPts val="283"/>
+              </a:spcBef>
+              <a:buClr>
+                <a:srgbClr val="000000"/>
+              </a:buClr>
+              <a:buSzPct val="45000"/>
+              <a:buFont typeface="Wingdings" charset="2"/>
+              <a:buChar char=""/>
+            </a:pPr>
+            <a:r>
+              <a:rPr b="0" lang="en-IN" sz="2000" spc="-1" strike="noStrike">
+                <a:latin typeface="Arial"/>
+              </a:rPr>
+              <a:t>Sixth Outline Level</a:t>
+            </a:r>
+            <a:endParaRPr b="0" lang="en-IN" sz="2000" spc="-1" strike="noStrike">
+              <a:latin typeface="Arial"/>
+            </a:endParaRPr>
+          </a:p>
+          <a:p>
+            <a:pPr lvl="6" marL="3024000" indent="-216000">
+              <a:spcBef>
+                <a:spcPts val="283"/>
+              </a:spcBef>
+              <a:buClr>
+                <a:srgbClr val="000000"/>
+              </a:buClr>
+              <a:buSzPct val="45000"/>
+              <a:buFont typeface="Wingdings" charset="2"/>
+              <a:buChar char=""/>
+            </a:pPr>
+            <a:r>
+              <a:rPr b="0" lang="en-IN" sz="2000" spc="-1" strike="noStrike">
+                <a:latin typeface="Arial"/>
+              </a:rPr>
+              <a:t>Seventh Outline Level</a:t>
+            </a:r>
+            <a:endParaRPr b="0" lang="en-IN" sz="2000" spc="-1" strike="noStrike">
               <a:latin typeface="Arial"/>
             </a:endParaRPr>
           </a:p>
@@ -5810,575 +3523,6 @@
 <file path=ppt/slideMasters/slideMaster2.xml><?xml version="1.0" encoding="utf-8"?>
 <p:sldMaster xmlns:a="http://schemas.openxmlformats.org/drawingml/2006/main" xmlns:p="http://schemas.openxmlformats.org/presentationml/2006/main" xmlns:r="http://schemas.openxmlformats.org/officeDocument/2006/relationships" xmlns:p14="http://schemas.microsoft.com/office/powerpoint/2010/main" xmlns:p15="http://schemas.microsoft.com/office/powerpoint/2012/main" xmlns:mc="http://schemas.openxmlformats.org/markup-compatibility/2006">
   <p:cSld>
-    <p:spTree>
-      <p:nvGrpSpPr>
-        <p:cNvPr id="1" name=""/>
-        <p:cNvGrpSpPr/>
-        <p:nvPr/>
-      </p:nvGrpSpPr>
-      <p:grpSpPr>
-        <a:xfrm>
-          <a:off x="0" y="0"/>
-          <a:ext cx="0" cy="0"/>
-          <a:chOff x="0" y="0"/>
-          <a:chExt cx="0" cy="0"/>
-        </a:xfrm>
-      </p:grpSpPr>
-      <p:sp>
-        <p:nvSpPr>
-          <p:cNvPr id="42" name=""/>
-          <p:cNvSpPr/>
-          <p:nvPr/>
-        </p:nvSpPr>
-        <p:spPr>
-          <a:xfrm>
-            <a:off x="0" y="0"/>
-            <a:ext cx="10076760" cy="720000"/>
-          </a:xfrm>
-          <a:prstGeom prst="rect">
-            <a:avLst/>
-          </a:prstGeom>
-          <a:gradFill rotWithShape="0">
-            <a:gsLst>
-              <a:gs pos="0">
-                <a:srgbClr val="77caee"/>
-              </a:gs>
-              <a:gs pos="100000">
-                <a:srgbClr val="009bdd"/>
-              </a:gs>
-            </a:gsLst>
-            <a:lin ang="10800000"/>
-          </a:gradFill>
-          <a:ln w="18000">
-            <a:noFill/>
-          </a:ln>
-          <a:effectLst>
-            <a:outerShdw dist="10800" dir="5400000" blurRad="0" rotWithShape="0">
-              <a:srgbClr val="009bdd"/>
-            </a:outerShdw>
-          </a:effectLst>
-        </p:spPr>
-        <p:style>
-          <a:lnRef idx="0"/>
-          <a:fillRef idx="0"/>
-          <a:effectRef idx="0"/>
-          <a:fontRef idx="minor"/>
-        </p:style>
-      </p:sp>
-      <p:sp>
-        <p:nvSpPr>
-          <p:cNvPr id="43" name=""/>
-          <p:cNvSpPr/>
-          <p:nvPr/>
-        </p:nvSpPr>
-        <p:spPr>
-          <a:xfrm>
-            <a:off x="3240" y="5040000"/>
-            <a:ext cx="10076760" cy="631440"/>
-          </a:xfrm>
-          <a:prstGeom prst="rect">
-            <a:avLst/>
-          </a:prstGeom>
-          <a:gradFill rotWithShape="0">
-            <a:gsLst>
-              <a:gs pos="0">
-                <a:srgbClr val="77caee"/>
-              </a:gs>
-              <a:gs pos="100000">
-                <a:srgbClr val="009bdd"/>
-              </a:gs>
-            </a:gsLst>
-            <a:lin ang="10800000"/>
-          </a:gradFill>
-          <a:ln w="18000">
-            <a:noFill/>
-          </a:ln>
-          <a:effectLst>
-            <a:outerShdw dist="10800" dir="5400000" blurRad="0" rotWithShape="0">
-              <a:srgbClr val="009bdd"/>
-            </a:outerShdw>
-          </a:effectLst>
-        </p:spPr>
-        <p:style>
-          <a:lnRef idx="0"/>
-          <a:fillRef idx="0"/>
-          <a:effectRef idx="0"/>
-          <a:fontRef idx="minor"/>
-        </p:style>
-      </p:sp>
-      <p:sp>
-        <p:nvSpPr>
-          <p:cNvPr id="44" name="PlaceHolder 1"/>
-          <p:cNvSpPr>
-            <a:spLocks noGrp="1"/>
-          </p:cNvSpPr>
-          <p:nvPr>
-            <p:ph type="title"/>
-          </p:nvPr>
-        </p:nvSpPr>
-        <p:spPr>
-          <a:xfrm>
-            <a:off x="360000" y="180000"/>
-            <a:ext cx="9360000" cy="478080"/>
-          </a:xfrm>
-          <a:prstGeom prst="rect">
-            <a:avLst/>
-          </a:prstGeom>
-          <a:noFill/>
-          <a:ln w="0">
-            <a:noFill/>
-          </a:ln>
-        </p:spPr>
-        <p:txBody>
-          <a:bodyPr lIns="0" rIns="0" tIns="0" bIns="0" anchor="ctr">
-            <a:noAutofit/>
-          </a:bodyPr>
-          <a:p>
-            <a:pPr algn="ctr">
-              <a:buNone/>
-            </a:pPr>
-            <a:r>
-              <a:rPr b="0" lang="en-IN" sz="3300" spc="-1" strike="noStrike">
-                <a:solidFill>
-                  <a:srgbClr val="ffffff"/>
-                </a:solidFill>
-                <a:latin typeface="Arial"/>
-              </a:rPr>
-              <a:t>Click to edit the title text format</a:t>
-            </a:r>
-            <a:endParaRPr b="0" lang="en-IN" sz="3300" spc="-1" strike="noStrike">
-              <a:solidFill>
-                <a:srgbClr val="ffffff"/>
-              </a:solidFill>
-              <a:latin typeface="Arial"/>
-            </a:endParaRPr>
-          </a:p>
-        </p:txBody>
-      </p:sp>
-      <p:sp>
-        <p:nvSpPr>
-          <p:cNvPr id="45" name="PlaceHolder 2"/>
-          <p:cNvSpPr>
-            <a:spLocks noGrp="1"/>
-          </p:cNvSpPr>
-          <p:nvPr>
-            <p:ph type="body"/>
-          </p:nvPr>
-        </p:nvSpPr>
-        <p:spPr>
-          <a:xfrm>
-            <a:off x="360000" y="1080000"/>
-            <a:ext cx="9360000" cy="3600000"/>
-          </a:xfrm>
-          <a:prstGeom prst="rect">
-            <a:avLst/>
-          </a:prstGeom>
-          <a:noFill/>
-          <a:ln w="0">
-            <a:noFill/>
-          </a:ln>
-        </p:spPr>
-        <p:txBody>
-          <a:bodyPr lIns="0" rIns="0" tIns="0" bIns="0" anchor="t">
-            <a:noAutofit/>
-          </a:bodyPr>
-          <a:p>
-            <a:pPr marL="432000" indent="-324000">
-              <a:spcBef>
-                <a:spcPts val="1060"/>
-              </a:spcBef>
-              <a:buClr>
-                <a:srgbClr val="77caee"/>
-              </a:buClr>
-              <a:buSzPct val="45000"/>
-              <a:buFont typeface="Wingdings" charset="2"/>
-              <a:buChar char=""/>
-            </a:pPr>
-            <a:r>
-              <a:rPr b="0" lang="en-IN" sz="2400" spc="-1" strike="noStrike">
-                <a:solidFill>
-                  <a:srgbClr val="009bdd"/>
-                </a:solidFill>
-                <a:latin typeface="Arial"/>
-              </a:rPr>
-              <a:t>Click to edit the outline text format</a:t>
-            </a:r>
-            <a:endParaRPr b="0" lang="en-IN" sz="2400" spc="-1" strike="noStrike">
-              <a:solidFill>
-                <a:srgbClr val="009bdd"/>
-              </a:solidFill>
-              <a:latin typeface="Arial"/>
-            </a:endParaRPr>
-          </a:p>
-          <a:p>
-            <a:pPr lvl="1" marL="864000" indent="-324000">
-              <a:spcBef>
-                <a:spcPts val="850"/>
-              </a:spcBef>
-              <a:buClr>
-                <a:srgbClr val="77caee"/>
-              </a:buClr>
-              <a:buSzPct val="45000"/>
-              <a:buFont typeface="Wingdings" charset="2"/>
-              <a:buChar char=""/>
-            </a:pPr>
-            <a:r>
-              <a:rPr b="0" lang="en-IN" sz="2100" spc="-1" strike="noStrike">
-                <a:solidFill>
-                  <a:srgbClr val="009bdd"/>
-                </a:solidFill>
-                <a:latin typeface="Arial"/>
-              </a:rPr>
-              <a:t>Second Outline Level</a:t>
-            </a:r>
-            <a:endParaRPr b="0" lang="en-IN" sz="2100" spc="-1" strike="noStrike">
-              <a:solidFill>
-                <a:srgbClr val="009bdd"/>
-              </a:solidFill>
-              <a:latin typeface="Arial"/>
-            </a:endParaRPr>
-          </a:p>
-          <a:p>
-            <a:pPr lvl="2" marL="1296000" indent="-288000">
-              <a:spcBef>
-                <a:spcPts val="635"/>
-              </a:spcBef>
-              <a:buClr>
-                <a:srgbClr val="77caee"/>
-              </a:buClr>
-              <a:buSzPct val="45000"/>
-              <a:buFont typeface="Wingdings" charset="2"/>
-              <a:buChar char=""/>
-            </a:pPr>
-            <a:r>
-              <a:rPr b="0" lang="en-IN" sz="1800" spc="-1" strike="noStrike">
-                <a:solidFill>
-                  <a:srgbClr val="009bdd"/>
-                </a:solidFill>
-                <a:latin typeface="Arial"/>
-              </a:rPr>
-              <a:t>Third Outline Level</a:t>
-            </a:r>
-            <a:endParaRPr b="0" lang="en-IN" sz="1800" spc="-1" strike="noStrike">
-              <a:solidFill>
-                <a:srgbClr val="009bdd"/>
-              </a:solidFill>
-              <a:latin typeface="Arial"/>
-            </a:endParaRPr>
-          </a:p>
-          <a:p>
-            <a:pPr lvl="3" marL="1728000" indent="-216000">
-              <a:spcBef>
-                <a:spcPts val="422"/>
-              </a:spcBef>
-              <a:buClr>
-                <a:srgbClr val="77caee"/>
-              </a:buClr>
-              <a:buSzPct val="45000"/>
-              <a:buFont typeface="Wingdings" charset="2"/>
-              <a:buChar char=""/>
-            </a:pPr>
-            <a:r>
-              <a:rPr b="0" lang="en-IN" sz="1500" spc="-1" strike="noStrike">
-                <a:solidFill>
-                  <a:srgbClr val="009bdd"/>
-                </a:solidFill>
-                <a:latin typeface="Arial"/>
-              </a:rPr>
-              <a:t>Fourth Outline Level</a:t>
-            </a:r>
-            <a:endParaRPr b="0" lang="en-IN" sz="1500" spc="-1" strike="noStrike">
-              <a:solidFill>
-                <a:srgbClr val="009bdd"/>
-              </a:solidFill>
-              <a:latin typeface="Arial"/>
-            </a:endParaRPr>
-          </a:p>
-          <a:p>
-            <a:pPr lvl="4" marL="2160000" indent="-216000">
-              <a:spcBef>
-                <a:spcPts val="210"/>
-              </a:spcBef>
-              <a:buClr>
-                <a:srgbClr val="77caee"/>
-              </a:buClr>
-              <a:buSzPct val="45000"/>
-              <a:buFont typeface="Wingdings" charset="2"/>
-              <a:buChar char=""/>
-            </a:pPr>
-            <a:r>
-              <a:rPr b="0" lang="en-IN" sz="1500" spc="-1" strike="noStrike">
-                <a:solidFill>
-                  <a:srgbClr val="009bdd"/>
-                </a:solidFill>
-                <a:latin typeface="Arial"/>
-              </a:rPr>
-              <a:t>Fifth Outline Level</a:t>
-            </a:r>
-            <a:endParaRPr b="0" lang="en-IN" sz="1500" spc="-1" strike="noStrike">
-              <a:solidFill>
-                <a:srgbClr val="009bdd"/>
-              </a:solidFill>
-              <a:latin typeface="Arial"/>
-            </a:endParaRPr>
-          </a:p>
-          <a:p>
-            <a:pPr lvl="5" marL="2592000" indent="-216000">
-              <a:spcBef>
-                <a:spcPts val="210"/>
-              </a:spcBef>
-              <a:buClr>
-                <a:srgbClr val="77caee"/>
-              </a:buClr>
-              <a:buSzPct val="45000"/>
-              <a:buFont typeface="Wingdings" charset="2"/>
-              <a:buChar char=""/>
-            </a:pPr>
-            <a:r>
-              <a:rPr b="0" lang="en-IN" sz="1500" spc="-1" strike="noStrike">
-                <a:solidFill>
-                  <a:srgbClr val="009bdd"/>
-                </a:solidFill>
-                <a:latin typeface="Arial"/>
-              </a:rPr>
-              <a:t>Sixth Outline Level</a:t>
-            </a:r>
-            <a:endParaRPr b="0" lang="en-IN" sz="1500" spc="-1" strike="noStrike">
-              <a:solidFill>
-                <a:srgbClr val="009bdd"/>
-              </a:solidFill>
-              <a:latin typeface="Arial"/>
-            </a:endParaRPr>
-          </a:p>
-          <a:p>
-            <a:pPr lvl="6" marL="3024000" indent="-216000">
-              <a:spcBef>
-                <a:spcPts val="210"/>
-              </a:spcBef>
-              <a:buClr>
-                <a:srgbClr val="77caee"/>
-              </a:buClr>
-              <a:buSzPct val="45000"/>
-              <a:buFont typeface="Wingdings" charset="2"/>
-              <a:buChar char=""/>
-            </a:pPr>
-            <a:r>
-              <a:rPr b="0" lang="en-IN" sz="1500" spc="-1" strike="noStrike">
-                <a:solidFill>
-                  <a:srgbClr val="009bdd"/>
-                </a:solidFill>
-                <a:latin typeface="Arial"/>
-              </a:rPr>
-              <a:t>Seventh Outline Level</a:t>
-            </a:r>
-            <a:endParaRPr b="0" lang="en-IN" sz="1500" spc="-1" strike="noStrike">
-              <a:solidFill>
-                <a:srgbClr val="009bdd"/>
-              </a:solidFill>
-              <a:latin typeface="Arial"/>
-            </a:endParaRPr>
-          </a:p>
-        </p:txBody>
-      </p:sp>
-      <p:sp>
-        <p:nvSpPr>
-          <p:cNvPr id="46" name="PlaceHolder 3"/>
-          <p:cNvSpPr>
-            <a:spLocks noGrp="1"/>
-          </p:cNvSpPr>
-          <p:nvPr>
-            <p:ph type="dt" idx="1"/>
-          </p:nvPr>
-        </p:nvSpPr>
-        <p:spPr>
-          <a:xfrm>
-            <a:off x="360000" y="5220000"/>
-            <a:ext cx="2340000" cy="360000"/>
-          </a:xfrm>
-          <a:prstGeom prst="rect">
-            <a:avLst/>
-          </a:prstGeom>
-          <a:noFill/>
-          <a:ln w="0">
-            <a:noFill/>
-          </a:ln>
-        </p:spPr>
-        <p:txBody>
-          <a:bodyPr lIns="0" rIns="0" tIns="0" bIns="0" anchor="t">
-            <a:noAutofit/>
-          </a:bodyPr>
-          <a:lstStyle>
-            <a:lvl1pPr>
-              <a:defRPr b="0" lang="en-IN" sz="1400" spc="-1" strike="noStrike">
-                <a:solidFill>
-                  <a:srgbClr val="ffffff"/>
-                </a:solidFill>
-                <a:latin typeface="Arial"/>
-              </a:defRPr>
-            </a:lvl1pPr>
-          </a:lstStyle>
-          <a:p>
-            <a:r>
-              <a:rPr b="0" lang="en-IN" sz="1400" spc="-1" strike="noStrike">
-                <a:solidFill>
-                  <a:srgbClr val="ffffff"/>
-                </a:solidFill>
-                <a:latin typeface="Arial"/>
-              </a:rPr>
-              <a:t>&lt;date/time&gt;</a:t>
-            </a:r>
-            <a:endParaRPr b="0" lang="en-IN" sz="1400" spc="-1" strike="noStrike">
-              <a:solidFill>
-                <a:srgbClr val="ffffff"/>
-              </a:solidFill>
-              <a:latin typeface="Arial"/>
-            </a:endParaRPr>
-          </a:p>
-        </p:txBody>
-      </p:sp>
-      <p:sp>
-        <p:nvSpPr>
-          <p:cNvPr id="47" name="PlaceHolder 4"/>
-          <p:cNvSpPr>
-            <a:spLocks noGrp="1"/>
-          </p:cNvSpPr>
-          <p:nvPr>
-            <p:ph type="ftr" idx="2"/>
-          </p:nvPr>
-        </p:nvSpPr>
-        <p:spPr>
-          <a:xfrm>
-            <a:off x="3420000" y="5220000"/>
-            <a:ext cx="3240000" cy="360000"/>
-          </a:xfrm>
-          <a:prstGeom prst="rect">
-            <a:avLst/>
-          </a:prstGeom>
-          <a:noFill/>
-          <a:ln w="0">
-            <a:noFill/>
-          </a:ln>
-        </p:spPr>
-        <p:txBody>
-          <a:bodyPr lIns="0" rIns="0" tIns="0" bIns="0" anchor="t">
-            <a:noAutofit/>
-          </a:bodyPr>
-          <a:lstStyle>
-            <a:lvl1pPr algn="ctr">
-              <a:buNone/>
-              <a:defRPr b="0" lang="en-IN" sz="1400" spc="-1" strike="noStrike">
-                <a:solidFill>
-                  <a:srgbClr val="ffffff"/>
-                </a:solidFill>
-                <a:latin typeface="Arial"/>
-              </a:defRPr>
-            </a:lvl1pPr>
-          </a:lstStyle>
-          <a:p>
-            <a:pPr algn="ctr">
-              <a:buNone/>
-            </a:pPr>
-            <a:r>
-              <a:rPr b="0" lang="en-IN" sz="1400" spc="-1" strike="noStrike">
-                <a:solidFill>
-                  <a:srgbClr val="ffffff"/>
-                </a:solidFill>
-                <a:latin typeface="Arial"/>
-              </a:rPr>
-              <a:t>&lt;footer&gt;</a:t>
-            </a:r>
-            <a:endParaRPr b="0" lang="en-IN" sz="1400" spc="-1" strike="noStrike">
-              <a:solidFill>
-                <a:srgbClr val="ffffff"/>
-              </a:solidFill>
-              <a:latin typeface="Arial"/>
-            </a:endParaRPr>
-          </a:p>
-        </p:txBody>
-      </p:sp>
-      <p:sp>
-        <p:nvSpPr>
-          <p:cNvPr id="48" name="PlaceHolder 5"/>
-          <p:cNvSpPr>
-            <a:spLocks noGrp="1"/>
-          </p:cNvSpPr>
-          <p:nvPr>
-            <p:ph type="sldNum" idx="3"/>
-          </p:nvPr>
-        </p:nvSpPr>
-        <p:spPr>
-          <a:xfrm>
-            <a:off x="7380000" y="5220000"/>
-            <a:ext cx="2340000" cy="360000"/>
-          </a:xfrm>
-          <a:prstGeom prst="rect">
-            <a:avLst/>
-          </a:prstGeom>
-          <a:noFill/>
-          <a:ln w="0">
-            <a:noFill/>
-          </a:ln>
-        </p:spPr>
-        <p:txBody>
-          <a:bodyPr lIns="0" rIns="0" tIns="0" bIns="0" anchor="t">
-            <a:noAutofit/>
-          </a:bodyPr>
-          <a:lstStyle>
-            <a:lvl1pPr algn="r">
-              <a:buNone/>
-              <a:defRPr b="0" lang="en-IN" sz="1400" spc="-1" strike="noStrike">
-                <a:solidFill>
-                  <a:srgbClr val="ffffff"/>
-                </a:solidFill>
-                <a:latin typeface="Arial"/>
-              </a:defRPr>
-            </a:lvl1pPr>
-          </a:lstStyle>
-          <a:p>
-            <a:pPr algn="r">
-              <a:buNone/>
-            </a:pPr>
-            <a:fld id="{1DCCADB4-91F2-44A9-8236-6D9B4E279B5B}" type="slidenum">
-              <a:rPr b="0" lang="en-IN" sz="1400" spc="-1" strike="noStrike">
-                <a:solidFill>
-                  <a:srgbClr val="ffffff"/>
-                </a:solidFill>
-                <a:latin typeface="Arial"/>
-              </a:rPr>
-              <a:t>&lt;number&gt;</a:t>
-            </a:fld>
-            <a:endParaRPr b="0" lang="en-IN" sz="1400" spc="-1" strike="noStrike">
-              <a:solidFill>
-                <a:srgbClr val="ffffff"/>
-              </a:solidFill>
-              <a:latin typeface="Arial"/>
-            </a:endParaRPr>
-          </a:p>
-        </p:txBody>
-      </p:sp>
-    </p:spTree>
-  </p:cSld>
-  <p:clrMap bg1="lt1" bg2="lt2" tx1="dk1" tx2="dk2" accent1="accent1" accent2="accent2" accent3="accent3" accent4="accent4" accent5="accent5" accent6="accent6" hlink="hlink" folHlink="folHlink"/>
-  <p:sldLayoutIdLst>
-    <p:sldLayoutId id="2147483662" r:id="rId2"/>
-    <p:sldLayoutId id="2147483663" r:id="rId3"/>
-    <p:sldLayoutId id="2147483664" r:id="rId4"/>
-    <p:sldLayoutId id="2147483665" r:id="rId5"/>
-    <p:sldLayoutId id="2147483666" r:id="rId6"/>
-    <p:sldLayoutId id="2147483667" r:id="rId7"/>
-    <p:sldLayoutId id="2147483668" r:id="rId8"/>
-    <p:sldLayoutId id="2147483669" r:id="rId9"/>
-    <p:sldLayoutId id="2147483670" r:id="rId10"/>
-    <p:sldLayoutId id="2147483671" r:id="rId11"/>
-    <p:sldLayoutId id="2147483672" r:id="rId12"/>
-    <p:sldLayoutId id="2147483673" r:id="rId13"/>
-  </p:sldLayoutIdLst>
-</p:sldMaster>
-</file>
-
-<file path=ppt/slideMasters/slideMaster3.xml><?xml version="1.0" encoding="utf-8"?>
-<p:sldMaster xmlns:a="http://schemas.openxmlformats.org/drawingml/2006/main" xmlns:p="http://schemas.openxmlformats.org/presentationml/2006/main" xmlns:r="http://schemas.openxmlformats.org/officeDocument/2006/relationships" xmlns:p14="http://schemas.microsoft.com/office/powerpoint/2010/main" xmlns:p15="http://schemas.microsoft.com/office/powerpoint/2012/main" xmlns:mc="http://schemas.openxmlformats.org/markup-compatibility/2006">
-  <p:cSld>
     <p:bg>
       <p:bgPr>
         <a:solidFill>
@@ -6402,7 +3546,7 @@
       </p:grpSpPr>
       <p:sp>
         <p:nvSpPr>
-          <p:cNvPr id="85" name="PlaceHolder 1"/>
+          <p:cNvPr id="42" name="PlaceHolder 1"/>
           <p:cNvSpPr>
             <a:spLocks noGrp="1"/>
           </p:cNvSpPr>
@@ -6413,7 +3557,7 @@
         <p:spPr>
           <a:xfrm>
             <a:off x="504000" y="226080"/>
-            <a:ext cx="9071640" cy="946440"/>
+            <a:ext cx="9072000" cy="946440"/>
           </a:xfrm>
           <a:prstGeom prst="rect">
             <a:avLst/>
@@ -6445,7 +3589,7 @@
       </p:sp>
       <p:sp>
         <p:nvSpPr>
-          <p:cNvPr id="86" name="PlaceHolder 2"/>
+          <p:cNvPr id="43" name="PlaceHolder 2"/>
           <p:cNvSpPr>
             <a:spLocks noGrp="1"/>
           </p:cNvSpPr>
@@ -6456,7 +3600,7 @@
         <p:spPr>
           <a:xfrm>
             <a:off x="504000" y="1326600"/>
-            <a:ext cx="9071640" cy="3288240"/>
+            <a:ext cx="9072000" cy="3288600"/>
           </a:xfrm>
           <a:prstGeom prst="rect">
             <a:avLst/>
@@ -6630,18 +3774,18 @@
   </p:cSld>
   <p:clrMap bg1="lt1" bg2="lt2" tx1="dk1" tx2="dk2" accent1="accent1" accent2="accent2" accent3="accent3" accent4="accent4" accent5="accent5" accent6="accent6" hlink="hlink" folHlink="folHlink"/>
   <p:sldLayoutIdLst>
-    <p:sldLayoutId id="2147483675" r:id="rId2"/>
-    <p:sldLayoutId id="2147483676" r:id="rId3"/>
-    <p:sldLayoutId id="2147483677" r:id="rId4"/>
-    <p:sldLayoutId id="2147483678" r:id="rId5"/>
-    <p:sldLayoutId id="2147483679" r:id="rId6"/>
-    <p:sldLayoutId id="2147483680" r:id="rId7"/>
-    <p:sldLayoutId id="2147483681" r:id="rId8"/>
-    <p:sldLayoutId id="2147483682" r:id="rId9"/>
-    <p:sldLayoutId id="2147483683" r:id="rId10"/>
-    <p:sldLayoutId id="2147483684" r:id="rId11"/>
-    <p:sldLayoutId id="2147483685" r:id="rId12"/>
-    <p:sldLayoutId id="2147483686" r:id="rId13"/>
+    <p:sldLayoutId id="2147483662" r:id="rId2"/>
+    <p:sldLayoutId id="2147483663" r:id="rId3"/>
+    <p:sldLayoutId id="2147483664" r:id="rId4"/>
+    <p:sldLayoutId id="2147483665" r:id="rId5"/>
+    <p:sldLayoutId id="2147483666" r:id="rId6"/>
+    <p:sldLayoutId id="2147483667" r:id="rId7"/>
+    <p:sldLayoutId id="2147483668" r:id="rId8"/>
+    <p:sldLayoutId id="2147483669" r:id="rId9"/>
+    <p:sldLayoutId id="2147483670" r:id="rId10"/>
+    <p:sldLayoutId id="2147483671" r:id="rId11"/>
+    <p:sldLayoutId id="2147483672" r:id="rId12"/>
+    <p:sldLayoutId id="2147483673" r:id="rId13"/>
   </p:sldLayoutIdLst>
 </p:sldMaster>
 </file>
@@ -6665,7 +3809,7 @@
       </p:grpSpPr>
       <p:sp>
         <p:nvSpPr>
-          <p:cNvPr id="123" name="PlaceHolder 1"/>
+          <p:cNvPr id="80" name="PlaceHolder 1"/>
           <p:cNvSpPr>
             <a:spLocks noGrp="1"/>
           </p:cNvSpPr>
@@ -6676,7 +3820,7 @@
         <p:spPr>
           <a:xfrm>
             <a:off x="0" y="1573200"/>
-            <a:ext cx="9000000" cy="1173960"/>
+            <a:ext cx="8999640" cy="1173600"/>
           </a:xfrm>
           <a:prstGeom prst="rect">
             <a:avLst/>
@@ -6716,9 +3860,6 @@
               <a:t>Encapsulation</a:t>
             </a:r>
             <a:endParaRPr b="0" lang="en-IN" sz="4400" spc="-1" strike="noStrike">
-              <a:solidFill>
-                <a:srgbClr val="dd4100"/>
-              </a:solidFill>
               <a:latin typeface="Arial"/>
             </a:endParaRPr>
           </a:p>
@@ -6756,7 +3897,7 @@
       </p:grpSpPr>
       <p:sp>
         <p:nvSpPr>
-          <p:cNvPr id="124" name="PlaceHolder 1"/>
+          <p:cNvPr id="81" name="PlaceHolder 1"/>
           <p:cNvSpPr>
             <a:spLocks noGrp="1"/>
           </p:cNvSpPr>
@@ -6766,8 +3907,8 @@
         </p:nvSpPr>
         <p:spPr>
           <a:xfrm>
-            <a:off x="692640" y="301680"/>
-            <a:ext cx="8692560" cy="1094760"/>
+            <a:off x="692640" y="49680"/>
+            <a:ext cx="8692200" cy="1094400"/>
           </a:xfrm>
           <a:prstGeom prst="rect">
             <a:avLst/>
@@ -6805,7 +3946,7 @@
       </p:sp>
       <p:sp>
         <p:nvSpPr>
-          <p:cNvPr id="125" name="PlaceHolder 2"/>
+          <p:cNvPr id="82" name="PlaceHolder 2"/>
           <p:cNvSpPr>
             <a:spLocks noGrp="1"/>
           </p:cNvSpPr>
@@ -6815,8 +3956,8 @@
         </p:nvSpPr>
         <p:spPr>
           <a:xfrm>
-            <a:off x="692640" y="1509120"/>
-            <a:ext cx="8692560" cy="3596400"/>
+            <a:off x="692640" y="1083960"/>
+            <a:ext cx="8692200" cy="3596040"/>
           </a:xfrm>
           <a:prstGeom prst="rect">
             <a:avLst/>
@@ -6845,7 +3986,7 @@
               <a:buChar char="•"/>
             </a:pPr>
             <a:r>
-              <a:rPr b="0" lang="en-US" sz="2800" spc="-1" strike="noStrike">
+              <a:rPr b="0" lang="en-US" sz="2600" spc="-1" strike="noStrike">
                 <a:solidFill>
                   <a:srgbClr val="000000"/>
                 </a:solidFill>
@@ -6853,7 +3994,7 @@
               </a:rPr>
               <a:t>Design level concept</a:t>
             </a:r>
-            <a:endParaRPr b="0" lang="en-IN" sz="2800" spc="-1" strike="noStrike">
+            <a:endParaRPr b="0" lang="en-IN" sz="2600" spc="-1" strike="noStrike">
               <a:latin typeface="Arial"/>
             </a:endParaRPr>
           </a:p>
@@ -6872,15 +4013,24 @@
               <a:buChar char="•"/>
             </a:pPr>
             <a:r>
-              <a:rPr b="0" lang="en-US" sz="2800" spc="-1" strike="noStrike">
+              <a:rPr b="0" lang="en-US" sz="2600" spc="-1" strike="noStrike">
                 <a:solidFill>
                   <a:srgbClr val="000000"/>
                 </a:solidFill>
                 <a:latin typeface="Calibri"/>
               </a:rPr>
-              <a:t>Abstraction is an OOP concept that focuses only on relevant data of an object. </a:t>
-            </a:r>
-            <a:endParaRPr b="0" lang="en-IN" sz="2800" spc="-1" strike="noStrike">
+              <a:t>Abstraction is an OOP concept that focuses only </a:t>
+            </a:r>
+            <a:r>
+              <a:rPr b="0" lang="en-US" sz="2600" spc="-1" strike="noStrike">
+                <a:solidFill>
+                  <a:srgbClr val="000000"/>
+                </a:solidFill>
+                <a:latin typeface="Calibri"/>
+              </a:rPr>
+              <a:t>on relevant data of an object. </a:t>
+            </a:r>
+            <a:endParaRPr b="0" lang="en-IN" sz="2600" spc="-1" strike="noStrike">
               <a:latin typeface="Arial"/>
             </a:endParaRPr>
           </a:p>
@@ -6899,15 +4049,33 @@
               <a:buChar char="•"/>
             </a:pPr>
             <a:r>
-              <a:rPr b="0" lang="en-US" sz="2800" spc="-1" strike="noStrike">
+              <a:rPr b="0" lang="en-US" sz="2600" spc="-1" strike="noStrike">
                 <a:solidFill>
                   <a:srgbClr val="000000"/>
                 </a:solidFill>
                 <a:latin typeface="Calibri"/>
               </a:rPr>
-              <a:t>It hides the background details and emphasizes the essential data points for reducing the complexity and increase efficiency. </a:t>
-            </a:r>
-            <a:endParaRPr b="0" lang="en-IN" sz="2800" spc="-1" strike="noStrike">
+              <a:t>It hides the background details and emphasizes </a:t>
+            </a:r>
+            <a:r>
+              <a:rPr b="0" lang="en-US" sz="2600" spc="-1" strike="noStrike">
+                <a:solidFill>
+                  <a:srgbClr val="000000"/>
+                </a:solidFill>
+                <a:latin typeface="Calibri"/>
+              </a:rPr>
+              <a:t>the essential data points for reducing the </a:t>
+            </a:r>
+            <a:r>
+              <a:rPr b="0" lang="en-US" sz="2600" spc="-1" strike="noStrike">
+                <a:solidFill>
+                  <a:srgbClr val="000000"/>
+                </a:solidFill>
+                <a:latin typeface="Calibri"/>
+              </a:rPr>
+              <a:t>complexity and increase efficiency. </a:t>
+            </a:r>
+            <a:endParaRPr b="0" lang="en-IN" sz="2600" spc="-1" strike="noStrike">
               <a:latin typeface="Arial"/>
             </a:endParaRPr>
           </a:p>
@@ -6926,15 +4094,24 @@
               <a:buChar char="•"/>
             </a:pPr>
             <a:r>
-              <a:rPr b="0" lang="en-US" sz="2800" spc="-1" strike="noStrike">
+              <a:rPr b="0" lang="en-US" sz="2600" spc="-1" strike="noStrike">
                 <a:solidFill>
                   <a:srgbClr val="000000"/>
                 </a:solidFill>
                 <a:latin typeface="Calibri"/>
               </a:rPr>
-              <a:t>It generally retains only information which is most relevant for that specific process. </a:t>
-            </a:r>
-            <a:endParaRPr b="0" lang="en-IN" sz="2800" spc="-1" strike="noStrike">
+              <a:t>It generally retains only information which is </a:t>
+            </a:r>
+            <a:r>
+              <a:rPr b="0" lang="en-US" sz="2600" spc="-1" strike="noStrike">
+                <a:solidFill>
+                  <a:srgbClr val="000000"/>
+                </a:solidFill>
+                <a:latin typeface="Calibri"/>
+              </a:rPr>
+              <a:t>most relevant for that specific process. </a:t>
+            </a:r>
+            <a:endParaRPr b="0" lang="en-IN" sz="2600" spc="-1" strike="noStrike">
               <a:latin typeface="Arial"/>
             </a:endParaRPr>
           </a:p>
@@ -6953,15 +4130,24 @@
               <a:buChar char="•"/>
             </a:pPr>
             <a:r>
-              <a:rPr b="0" lang="en-US" sz="2800" spc="-1" strike="noStrike">
+              <a:rPr b="0" lang="en-US" sz="2600" spc="-1" strike="noStrike">
                 <a:solidFill>
                   <a:srgbClr val="000000"/>
                 </a:solidFill>
                 <a:latin typeface="Calibri"/>
               </a:rPr>
-              <a:t>Abstraction method mainly focuses on the idea instead of actual functioning.</a:t>
-            </a:r>
-            <a:endParaRPr b="0" lang="en-IN" sz="2800" spc="-1" strike="noStrike">
+              <a:t>Abstraction method mainly focuses on the idea </a:t>
+            </a:r>
+            <a:r>
+              <a:rPr b="0" lang="en-US" sz="2600" spc="-1" strike="noStrike">
+                <a:solidFill>
+                  <a:srgbClr val="000000"/>
+                </a:solidFill>
+                <a:latin typeface="Calibri"/>
+              </a:rPr>
+              <a:t>instead of actual functioning.</a:t>
+            </a:r>
+            <a:endParaRPr b="0" lang="en-IN" sz="2600" spc="-1" strike="noStrike">
               <a:latin typeface="Arial"/>
             </a:endParaRPr>
           </a:p>
@@ -6999,7 +4185,7 @@
       </p:grpSpPr>
       <p:sp>
         <p:nvSpPr>
-          <p:cNvPr id="126" name="PlaceHolder 1"/>
+          <p:cNvPr id="83" name="PlaceHolder 1"/>
           <p:cNvSpPr>
             <a:spLocks noGrp="1"/>
           </p:cNvSpPr>
@@ -7010,7 +4196,7 @@
         <p:spPr>
           <a:xfrm>
             <a:off x="692640" y="301680"/>
-            <a:ext cx="8692560" cy="1094760"/>
+            <a:ext cx="8692200" cy="1094400"/>
           </a:xfrm>
           <a:prstGeom prst="rect">
             <a:avLst/>
@@ -7048,7 +4234,7 @@
       </p:sp>
       <p:sp>
         <p:nvSpPr>
-          <p:cNvPr id="127" name="PlaceHolder 2"/>
+          <p:cNvPr id="84" name="PlaceHolder 2"/>
           <p:cNvSpPr>
             <a:spLocks noGrp="1"/>
           </p:cNvSpPr>
@@ -7059,7 +4245,7 @@
         <p:spPr>
           <a:xfrm>
             <a:off x="692640" y="1295640"/>
-            <a:ext cx="8692560" cy="3809880"/>
+            <a:ext cx="8692200" cy="3809520"/>
           </a:xfrm>
           <a:prstGeom prst="rect">
             <a:avLst/>
@@ -7296,7 +4482,7 @@
       </p:grpSpPr>
       <p:sp>
         <p:nvSpPr>
-          <p:cNvPr id="128" name="PlaceHolder 1"/>
+          <p:cNvPr id="85" name="PlaceHolder 1"/>
           <p:cNvSpPr>
             <a:spLocks noGrp="1"/>
           </p:cNvSpPr>
@@ -7307,7 +4493,7 @@
         <p:spPr>
           <a:xfrm>
             <a:off x="692640" y="301680"/>
-            <a:ext cx="8692560" cy="1094760"/>
+            <a:ext cx="8692200" cy="1094400"/>
           </a:xfrm>
           <a:prstGeom prst="rect">
             <a:avLst/>
@@ -7333,7 +4519,7 @@
       </p:sp>
       <p:sp>
         <p:nvSpPr>
-          <p:cNvPr id="129" name="PlaceHolder 2"/>
+          <p:cNvPr id="86" name="PlaceHolder 2"/>
           <p:cNvSpPr>
             <a:spLocks noGrp="1"/>
           </p:cNvSpPr>
@@ -7344,7 +4530,7 @@
         <p:spPr>
           <a:xfrm>
             <a:off x="692640" y="1509120"/>
-            <a:ext cx="8692560" cy="3596400"/>
+            <a:ext cx="8692200" cy="3596040"/>
           </a:xfrm>
           <a:prstGeom prst="rect">
             <a:avLst/>
@@ -7595,7 +4781,7 @@
       </p:grpSpPr>
       <p:sp>
         <p:nvSpPr>
-          <p:cNvPr id="130" name="PlaceHolder 1"/>
+          <p:cNvPr id="87" name="PlaceHolder 1"/>
           <p:cNvSpPr>
             <a:spLocks noGrp="1"/>
           </p:cNvSpPr>
@@ -7606,7 +4792,7 @@
         <p:spPr>
           <a:xfrm>
             <a:off x="692640" y="301680"/>
-            <a:ext cx="8692560" cy="1094760"/>
+            <a:ext cx="8692200" cy="1094400"/>
           </a:xfrm>
           <a:prstGeom prst="rect">
             <a:avLst/>
@@ -7647,7 +4833,7 @@
       </p:sp>
       <p:sp>
         <p:nvSpPr>
-          <p:cNvPr id="131" name="PlaceHolder 2"/>
+          <p:cNvPr id="88" name="PlaceHolder 2"/>
           <p:cNvSpPr>
             <a:spLocks noGrp="1"/>
           </p:cNvSpPr>
@@ -7658,7 +4844,7 @@
         <p:spPr>
           <a:xfrm>
             <a:off x="692640" y="1257480"/>
-            <a:ext cx="8692560" cy="3848400"/>
+            <a:ext cx="8692200" cy="3848040"/>
           </a:xfrm>
           <a:prstGeom prst="rect">
             <a:avLst/>
@@ -7828,7 +5014,7 @@
       </p:grpSpPr>
       <p:sp>
         <p:nvSpPr>
-          <p:cNvPr id="132" name="PlaceHolder 1"/>
+          <p:cNvPr id="89" name="PlaceHolder 1"/>
           <p:cNvSpPr>
             <a:spLocks noGrp="1"/>
           </p:cNvSpPr>
@@ -7839,7 +5025,7 @@
         <p:spPr>
           <a:xfrm>
             <a:off x="692640" y="301680"/>
-            <a:ext cx="8692560" cy="1094760"/>
+            <a:ext cx="8692200" cy="1094400"/>
           </a:xfrm>
           <a:prstGeom prst="rect">
             <a:avLst/>
@@ -7880,7 +5066,7 @@
       </p:sp>
       <p:sp>
         <p:nvSpPr>
-          <p:cNvPr id="133" name="PlaceHolder 2"/>
+          <p:cNvPr id="90" name="PlaceHolder 2"/>
           <p:cNvSpPr>
             <a:spLocks noGrp="1"/>
           </p:cNvSpPr>
@@ -7891,7 +5077,7 @@
         <p:spPr>
           <a:xfrm>
             <a:off x="692640" y="1164600"/>
-            <a:ext cx="8692560" cy="3940920"/>
+            <a:ext cx="8692200" cy="3940560"/>
           </a:xfrm>
           <a:prstGeom prst="rect">
             <a:avLst/>
@@ -8627,230 +5813,4 @@
     </a:fmtScheme>
   </a:themeElements>
 </a:theme>
-</file>
-
-<file path=ppt/theme/theme3.xml><?xml version="1.0" encoding="utf-8"?>
-<a:theme xmlns:a="http://schemas.openxmlformats.org/drawingml/2006/main" name="Office Theme">
-  <a:themeElements>
-    <a:clrScheme name="Office">
-      <a:dk1>
-        <a:sysClr val="windowText" lastClr="000000"/>
-      </a:dk1>
-      <a:lt1>
-        <a:sysClr val="window" lastClr="FFFFFF"/>
-      </a:lt1>
-      <a:dk2>
-        <a:srgbClr val="1f497d"/>
-      </a:dk2>
-      <a:lt2>
-        <a:srgbClr val="eeece1"/>
-      </a:lt2>
-      <a:accent1>
-        <a:srgbClr val="4f81bd"/>
-      </a:accent1>
-      <a:accent2>
-        <a:srgbClr val="c0504d"/>
-      </a:accent2>
-      <a:accent3>
-        <a:srgbClr val="9bbb59"/>
-      </a:accent3>
-      <a:accent4>
-        <a:srgbClr val="8064a2"/>
-      </a:accent4>
-      <a:accent5>
-        <a:srgbClr val="4bacc6"/>
-      </a:accent5>
-      <a:accent6>
-        <a:srgbClr val="f79646"/>
-      </a:accent6>
-      <a:hlink>
-        <a:srgbClr val="0000ff"/>
-      </a:hlink>
-      <a:folHlink>
-        <a:srgbClr val="800080"/>
-      </a:folHlink>
-    </a:clrScheme>
-    <a:fontScheme name="Office">
-      <a:majorFont>
-        <a:latin typeface="Arial"/>
-        <a:ea typeface="DejaVu Sans"/>
-        <a:cs typeface="DejaVu Sans"/>
-      </a:majorFont>
-      <a:minorFont>
-        <a:latin typeface="Arial"/>
-        <a:ea typeface="DejaVu Sans"/>
-        <a:cs typeface="DejaVu Sans"/>
-      </a:minorFont>
-    </a:fontScheme>
-    <a:fmtScheme name="Office">
-      <a:fillStyleLst>
-        <a:solidFill>
-          <a:schemeClr val="phClr"/>
-        </a:solidFill>
-        <a:gradFill rotWithShape="1">
-          <a:gsLst>
-            <a:gs pos="0">
-              <a:schemeClr val="phClr">
-                <a:tint val="50000"/>
-                <a:satMod val="300000"/>
-              </a:schemeClr>
-            </a:gs>
-            <a:gs pos="35000">
-              <a:schemeClr val="phClr">
-                <a:tint val="37000"/>
-                <a:satMod val="300000"/>
-              </a:schemeClr>
-            </a:gs>
-            <a:gs pos="100000">
-              <a:schemeClr val="phClr">
-                <a:tint val="15000"/>
-                <a:satMod val="350000"/>
-              </a:schemeClr>
-            </a:gs>
-          </a:gsLst>
-          <a:lin ang="16200000" scaled="1"/>
-        </a:gradFill>
-        <a:gradFill rotWithShape="1">
-          <a:gsLst>
-            <a:gs pos="0">
-              <a:schemeClr val="phClr">
-                <a:shade val="51000"/>
-                <a:satMod val="130000"/>
-              </a:schemeClr>
-            </a:gs>
-            <a:gs pos="80000">
-              <a:schemeClr val="phClr">
-                <a:shade val="93000"/>
-                <a:satMod val="130000"/>
-              </a:schemeClr>
-            </a:gs>
-            <a:gs pos="100000">
-              <a:schemeClr val="phClr">
-                <a:shade val="94000"/>
-                <a:satMod val="135000"/>
-              </a:schemeClr>
-            </a:gs>
-          </a:gsLst>
-          <a:lin ang="16200000" scaled="0"/>
-        </a:gradFill>
-      </a:fillStyleLst>
-      <a:lnStyleLst>
-        <a:ln w="9525" cap="flat" cmpd="sng" algn="ctr">
-          <a:solidFill>
-            <a:schemeClr val="phClr">
-              <a:shade val="95000"/>
-              <a:satMod val="105000"/>
-            </a:schemeClr>
-          </a:solidFill>
-          <a:prstDash val="solid"/>
-          <a:miter/>
-        </a:ln>
-        <a:ln w="25400" cap="flat" cmpd="sng" algn="ctr">
-          <a:solidFill>
-            <a:schemeClr val="phClr"/>
-          </a:solidFill>
-          <a:prstDash val="solid"/>
-          <a:miter/>
-        </a:ln>
-        <a:ln w="38100" cap="flat" cmpd="sng" algn="ctr">
-          <a:solidFill>
-            <a:schemeClr val="phClr"/>
-          </a:solidFill>
-          <a:prstDash val="solid"/>
-          <a:miter/>
-        </a:ln>
-      </a:lnStyleLst>
-      <a:effectStyleLst>
-        <a:effectStyle>
-          <a:effectLst>
-            <a:outerShdw blurRad="40000" dist="20000" dir="5400000" rotWithShape="0">
-              <a:srgbClr val="000000">
-                <a:alpha val="38000"/>
-              </a:srgbClr>
-            </a:outerShdw>
-          </a:effectLst>
-        </a:effectStyle>
-        <a:effectStyle>
-          <a:effectLst>
-            <a:outerShdw blurRad="40000" dist="23000" dir="5400000" rotWithShape="0">
-              <a:srgbClr val="000000">
-                <a:alpha val="35000"/>
-              </a:srgbClr>
-            </a:outerShdw>
-          </a:effectLst>
-        </a:effectStyle>
-        <a:effectStyle>
-          <a:effectLst>
-            <a:outerShdw blurRad="40000" dist="23000" dir="5400000" rotWithShape="0">
-              <a:srgbClr val="000000">
-                <a:alpha val="35000"/>
-              </a:srgbClr>
-            </a:outerShdw>
-          </a:effectLst>
-          <a:scene3d>
-            <a:camera prst="orthographicFront">
-              <a:rot lat="0" lon="0" rev="0"/>
-            </a:camera>
-            <a:lightRig rig="threePt" dir="t">
-              <a:rot lat="0" lon="0" rev="1200000"/>
-            </a:lightRig>
-          </a:scene3d>
-          <a:sp3d>
-            <a:bevelT w="63500" h="25400"/>
-          </a:sp3d>
-        </a:effectStyle>
-      </a:effectStyleLst>
-      <a:bgFillStyleLst>
-        <a:solidFill>
-          <a:schemeClr val="phClr"/>
-        </a:solidFill>
-        <a:gradFill rotWithShape="1">
-          <a:gsLst>
-            <a:gs pos="0">
-              <a:schemeClr val="phClr">
-                <a:tint val="40000"/>
-                <a:satMod val="350000"/>
-              </a:schemeClr>
-            </a:gs>
-            <a:gs pos="40000">
-              <a:schemeClr val="phClr">
-                <a:tint val="45000"/>
-                <a:shade val="99000"/>
-                <a:satMod val="350000"/>
-              </a:schemeClr>
-            </a:gs>
-            <a:gs pos="100000">
-              <a:schemeClr val="phClr">
-                <a:shade val="20000"/>
-                <a:satMod val="255000"/>
-              </a:schemeClr>
-            </a:gs>
-          </a:gsLst>
-          <a:path path="circle">
-            <a:fillToRect l="50000" t="-80000" r="50000" b="180000"/>
-          </a:path>
-        </a:gradFill>
-        <a:gradFill rotWithShape="1">
-          <a:gsLst>
-            <a:gs pos="0">
-              <a:schemeClr val="phClr">
-                <a:tint val="80000"/>
-                <a:satMod val="300000"/>
-              </a:schemeClr>
-            </a:gs>
-            <a:gs pos="100000">
-              <a:schemeClr val="phClr">
-                <a:shade val="30000"/>
-                <a:satMod val="200000"/>
-              </a:schemeClr>
-            </a:gs>
-          </a:gsLst>
-          <a:path path="circle">
-            <a:fillToRect l="50000" t="50000" r="50000" b="50000"/>
-          </a:path>
-        </a:gradFill>
-      </a:bgFillStyleLst>
-    </a:fmtScheme>
-  </a:themeElements>
-</a:theme>
 </file>